--- a/resources/mypaper.pptx
+++ b/resources/mypaper.pptx
@@ -15,8 +15,9 @@
     <p:sldId id="262" r:id="rId9"/>
     <p:sldId id="261" r:id="rId10"/>
     <p:sldId id="258" r:id="rId11"/>
-    <p:sldId id="257" r:id="rId12"/>
-    <p:sldId id="260" r:id="rId13"/>
+    <p:sldId id="268" r:id="rId12"/>
+    <p:sldId id="257" r:id="rId13"/>
+    <p:sldId id="260" r:id="rId14"/>
   </p:sldIdLst>
   <p:sldSz cx="12192000" cy="6858000"/>
   <p:notesSz cx="6858000" cy="9144000"/>
@@ -254,7 +255,7 @@
           <a:p>
             <a:fld id="{CF4993DB-1284-461A-A2D5-97453C944B44}" type="datetimeFigureOut">
               <a:rPr lang="zh-CN" altLang="en-US" smtClean="0"/>
-              <a:t>2015/9/10</a:t>
+              <a:t>2015/9/11</a:t>
             </a:fld>
             <a:endParaRPr lang="zh-CN" altLang="en-US"/>
           </a:p>
@@ -424,7 +425,7 @@
           <a:p>
             <a:fld id="{CF4993DB-1284-461A-A2D5-97453C944B44}" type="datetimeFigureOut">
               <a:rPr lang="zh-CN" altLang="en-US" smtClean="0"/>
-              <a:t>2015/9/10</a:t>
+              <a:t>2015/9/11</a:t>
             </a:fld>
             <a:endParaRPr lang="zh-CN" altLang="en-US"/>
           </a:p>
@@ -604,7 +605,7 @@
           <a:p>
             <a:fld id="{CF4993DB-1284-461A-A2D5-97453C944B44}" type="datetimeFigureOut">
               <a:rPr lang="zh-CN" altLang="en-US" smtClean="0"/>
-              <a:t>2015/9/10</a:t>
+              <a:t>2015/9/11</a:t>
             </a:fld>
             <a:endParaRPr lang="zh-CN" altLang="en-US"/>
           </a:p>
@@ -774,7 +775,7 @@
           <a:p>
             <a:fld id="{CF4993DB-1284-461A-A2D5-97453C944B44}" type="datetimeFigureOut">
               <a:rPr lang="zh-CN" altLang="en-US" smtClean="0"/>
-              <a:t>2015/9/10</a:t>
+              <a:t>2015/9/11</a:t>
             </a:fld>
             <a:endParaRPr lang="zh-CN" altLang="en-US"/>
           </a:p>
@@ -1020,7 +1021,7 @@
           <a:p>
             <a:fld id="{CF4993DB-1284-461A-A2D5-97453C944B44}" type="datetimeFigureOut">
               <a:rPr lang="zh-CN" altLang="en-US" smtClean="0"/>
-              <a:t>2015/9/10</a:t>
+              <a:t>2015/9/11</a:t>
             </a:fld>
             <a:endParaRPr lang="zh-CN" altLang="en-US"/>
           </a:p>
@@ -1252,7 +1253,7 @@
           <a:p>
             <a:fld id="{CF4993DB-1284-461A-A2D5-97453C944B44}" type="datetimeFigureOut">
               <a:rPr lang="zh-CN" altLang="en-US" smtClean="0"/>
-              <a:t>2015/9/10</a:t>
+              <a:t>2015/9/11</a:t>
             </a:fld>
             <a:endParaRPr lang="zh-CN" altLang="en-US"/>
           </a:p>
@@ -1619,7 +1620,7 @@
           <a:p>
             <a:fld id="{CF4993DB-1284-461A-A2D5-97453C944B44}" type="datetimeFigureOut">
               <a:rPr lang="zh-CN" altLang="en-US" smtClean="0"/>
-              <a:t>2015/9/10</a:t>
+              <a:t>2015/9/11</a:t>
             </a:fld>
             <a:endParaRPr lang="zh-CN" altLang="en-US"/>
           </a:p>
@@ -1737,7 +1738,7 @@
           <a:p>
             <a:fld id="{CF4993DB-1284-461A-A2D5-97453C944B44}" type="datetimeFigureOut">
               <a:rPr lang="zh-CN" altLang="en-US" smtClean="0"/>
-              <a:t>2015/9/10</a:t>
+              <a:t>2015/9/11</a:t>
             </a:fld>
             <a:endParaRPr lang="zh-CN" altLang="en-US"/>
           </a:p>
@@ -1832,7 +1833,7 @@
           <a:p>
             <a:fld id="{CF4993DB-1284-461A-A2D5-97453C944B44}" type="datetimeFigureOut">
               <a:rPr lang="zh-CN" altLang="en-US" smtClean="0"/>
-              <a:t>2015/9/10</a:t>
+              <a:t>2015/9/11</a:t>
             </a:fld>
             <a:endParaRPr lang="zh-CN" altLang="en-US"/>
           </a:p>
@@ -2109,7 +2110,7 @@
           <a:p>
             <a:fld id="{CF4993DB-1284-461A-A2D5-97453C944B44}" type="datetimeFigureOut">
               <a:rPr lang="zh-CN" altLang="en-US" smtClean="0"/>
-              <a:t>2015/9/10</a:t>
+              <a:t>2015/9/11</a:t>
             </a:fld>
             <a:endParaRPr lang="zh-CN" altLang="en-US"/>
           </a:p>
@@ -2362,7 +2363,7 @@
           <a:p>
             <a:fld id="{CF4993DB-1284-461A-A2D5-97453C944B44}" type="datetimeFigureOut">
               <a:rPr lang="zh-CN" altLang="en-US" smtClean="0"/>
-              <a:t>2015/9/10</a:t>
+              <a:t>2015/9/11</a:t>
             </a:fld>
             <a:endParaRPr lang="zh-CN" altLang="en-US"/>
           </a:p>
@@ -2575,7 +2576,7 @@
           <a:p>
             <a:fld id="{CF4993DB-1284-461A-A2D5-97453C944B44}" type="datetimeFigureOut">
               <a:rPr lang="zh-CN" altLang="en-US" smtClean="0"/>
-              <a:t>2015/9/10</a:t>
+              <a:t>2015/9/11</a:t>
             </a:fld>
             <a:endParaRPr lang="zh-CN" altLang="en-US"/>
           </a:p>
@@ -2995,7 +2996,7 @@
           <a:bodyPr/>
           <a:lstStyle/>
           <a:p>
-            <a:endParaRPr lang="zh-CN" altLang="en-US"/>
+            <a:endParaRPr lang="zh-CN" altLang="en-US" dirty="0"/>
           </a:p>
         </p:txBody>
       </p:sp>
@@ -3063,22 +3064,27 @@
         </p:nvSpPr>
         <p:spPr>
           <a:xfrm>
-            <a:off x="5289641" y="1661656"/>
-            <a:ext cx="1251890" cy="2981683"/>
+            <a:off x="5289641" y="1740973"/>
+            <a:ext cx="1251890" cy="2791912"/>
           </a:xfrm>
           <a:prstGeom prst="roundRect">
-            <a:avLst/>
+            <a:avLst>
+              <a:gd name="adj" fmla="val 5210"/>
+            </a:avLst>
           </a:prstGeom>
           <a:solidFill>
             <a:schemeClr val="bg1"/>
           </a:solidFill>
-          <a:ln>
+          <a:ln w="19050">
             <a:solidFill>
-              <a:schemeClr val="bg1">
+              <a:schemeClr val="tx1">
                 <a:lumMod val="50000"/>
+                <a:lumOff val="50000"/>
               </a:schemeClr>
             </a:solidFill>
+            <a:prstDash val="sysDash"/>
           </a:ln>
+          <a:effectLst/>
         </p:spPr>
         <p:style>
           <a:lnRef idx="0">
@@ -3104,7 +3110,7 @@
           <a:lstStyle/>
           <a:p>
             <a:pPr algn="ctr"/>
-            <a:endParaRPr lang="zh-CN" altLang="en-US" sz="2400" dirty="0" smtClean="0">
+            <a:endParaRPr lang="zh-CN" altLang="en-US" sz="2400" dirty="0">
               <a:solidFill>
                 <a:schemeClr val="tx1"/>
               </a:solidFill>
@@ -3120,8 +3126,8 @@
         </p:nvSpPr>
         <p:spPr>
           <a:xfrm>
-            <a:off x="1940275" y="1723763"/>
-            <a:ext cx="1231910" cy="2919575"/>
+            <a:off x="1966629" y="1713148"/>
+            <a:ext cx="1231910" cy="2902365"/>
           </a:xfrm>
           <a:prstGeom prst="ellipse">
             <a:avLst/>
@@ -3129,13 +3135,16 @@
           <a:solidFill>
             <a:schemeClr val="bg1"/>
           </a:solidFill>
-          <a:ln>
+          <a:ln w="19050">
             <a:solidFill>
-              <a:schemeClr val="bg1">
+              <a:schemeClr val="tx1">
                 <a:lumMod val="50000"/>
+                <a:lumOff val="50000"/>
               </a:schemeClr>
             </a:solidFill>
+            <a:prstDash val="sysDash"/>
           </a:ln>
+          <a:effectLst/>
         </p:spPr>
         <p:style>
           <a:lnRef idx="0">
@@ -3161,7 +3170,7 @@
           <a:lstStyle/>
           <a:p>
             <a:pPr algn="ctr"/>
-            <a:endParaRPr lang="zh-CN" altLang="en-US" sz="2000" dirty="0" smtClean="0">
+            <a:endParaRPr lang="zh-CN" altLang="en-US" sz="2400" dirty="0">
               <a:solidFill>
                 <a:schemeClr val="tx1"/>
               </a:solidFill>
@@ -3177,7 +3186,7 @@
         </p:nvSpPr>
         <p:spPr>
           <a:xfrm>
-            <a:off x="7079349" y="1740973"/>
+            <a:off x="7070659" y="1704852"/>
             <a:ext cx="1347185" cy="2902366"/>
           </a:xfrm>
           <a:prstGeom prst="ellipse">
@@ -3186,13 +3195,16 @@
           <a:solidFill>
             <a:schemeClr val="bg1"/>
           </a:solidFill>
-          <a:ln>
+          <a:ln w="19050">
             <a:solidFill>
-              <a:schemeClr val="bg1">
+              <a:schemeClr val="tx1">
                 <a:lumMod val="50000"/>
+                <a:lumOff val="50000"/>
               </a:schemeClr>
             </a:solidFill>
+            <a:prstDash val="sysDash"/>
           </a:ln>
+          <a:effectLst/>
         </p:spPr>
         <p:style>
           <a:lnRef idx="0">
@@ -3234,22 +3246,27 @@
         </p:nvSpPr>
         <p:spPr>
           <a:xfrm>
-            <a:off x="3675447" y="1661656"/>
-            <a:ext cx="1251890" cy="2981683"/>
+            <a:off x="3675447" y="1740973"/>
+            <a:ext cx="1251890" cy="2791912"/>
           </a:xfrm>
           <a:prstGeom prst="roundRect">
-            <a:avLst/>
+            <a:avLst>
+              <a:gd name="adj" fmla="val 5926"/>
+            </a:avLst>
           </a:prstGeom>
           <a:solidFill>
             <a:schemeClr val="bg1"/>
           </a:solidFill>
-          <a:ln>
+          <a:ln w="19050">
             <a:solidFill>
-              <a:schemeClr val="bg1">
+              <a:schemeClr val="tx1">
                 <a:lumMod val="50000"/>
+                <a:lumOff val="50000"/>
               </a:schemeClr>
             </a:solidFill>
+            <a:prstDash val="sysDash"/>
           </a:ln>
+          <a:effectLst/>
         </p:spPr>
         <p:style>
           <a:lnRef idx="0">
@@ -3275,7 +3292,7 @@
           <a:lstStyle/>
           <a:p>
             <a:pPr algn="ctr"/>
-            <a:endParaRPr lang="zh-CN" altLang="en-US" sz="2400" dirty="0" smtClean="0">
+            <a:endParaRPr lang="zh-CN" altLang="en-US" sz="2400" dirty="0">
               <a:solidFill>
                 <a:schemeClr val="tx1"/>
               </a:solidFill>
@@ -3301,11 +3318,7 @@
             <a:schemeClr val="bg1"/>
           </a:solidFill>
           <a:ln>
-            <a:solidFill>
-              <a:schemeClr val="bg1">
-                <a:lumMod val="50000"/>
-              </a:schemeClr>
-            </a:solidFill>
+            <a:noFill/>
           </a:ln>
         </p:spPr>
         <p:style>
@@ -3333,14 +3346,14 @@
           <a:p>
             <a:pPr algn="ctr"/>
             <a:r>
-              <a:rPr lang="en-US" altLang="zh-CN" sz="1400" dirty="0" smtClean="0">
+              <a:rPr lang="en-US" altLang="zh-CN" sz="1400" dirty="0">
                 <a:solidFill>
                   <a:schemeClr val="tx1"/>
                 </a:solidFill>
               </a:rPr>
               <a:t>MICROSOFT</a:t>
             </a:r>
-            <a:endParaRPr lang="zh-CN" altLang="en-US" sz="1400" dirty="0" smtClean="0">
+            <a:endParaRPr lang="zh-CN" altLang="en-US" sz="1400" dirty="0">
               <a:solidFill>
                 <a:schemeClr val="tx1"/>
               </a:solidFill>
@@ -3366,11 +3379,7 @@
             <a:schemeClr val="bg1"/>
           </a:solidFill>
           <a:ln>
-            <a:solidFill>
-              <a:schemeClr val="bg1">
-                <a:lumMod val="50000"/>
-              </a:schemeClr>
-            </a:solidFill>
+            <a:noFill/>
           </a:ln>
         </p:spPr>
         <p:style>
@@ -3431,11 +3440,7 @@
             <a:schemeClr val="bg1"/>
           </a:solidFill>
           <a:ln>
-            <a:solidFill>
-              <a:schemeClr val="bg1">
-                <a:lumMod val="50000"/>
-              </a:schemeClr>
-            </a:solidFill>
+            <a:noFill/>
           </a:ln>
         </p:spPr>
         <p:style>
@@ -3496,11 +3501,7 @@
             <a:schemeClr val="bg1"/>
           </a:solidFill>
           <a:ln>
-            <a:solidFill>
-              <a:schemeClr val="bg1">
-                <a:lumMod val="50000"/>
-              </a:schemeClr>
-            </a:solidFill>
+            <a:noFill/>
           </a:ln>
         </p:spPr>
         <p:style>
@@ -3561,11 +3562,7 @@
             <a:schemeClr val="bg1"/>
           </a:solidFill>
           <a:ln>
-            <a:solidFill>
-              <a:schemeClr val="bg1">
-                <a:lumMod val="50000"/>
-              </a:schemeClr>
-            </a:solidFill>
+            <a:noFill/>
           </a:ln>
         </p:spPr>
         <p:style>
@@ -3626,11 +3623,7 @@
             <a:schemeClr val="bg1"/>
           </a:solidFill>
           <a:ln>
-            <a:solidFill>
-              <a:schemeClr val="bg1">
-                <a:lumMod val="50000"/>
-              </a:schemeClr>
-            </a:solidFill>
+            <a:noFill/>
           </a:ln>
         </p:spPr>
         <p:style>
@@ -3732,9 +3725,6 @@
             <a:avLst/>
           </a:prstGeom>
           <a:ln w="28575">
-            <a:solidFill>
-              <a:srgbClr val="7030A0"/>
-            </a:solidFill>
             <a:miter lim="800000"/>
             <a:tailEnd type="triangle" w="sm" len="lg"/>
           </a:ln>
@@ -3890,11 +3880,7 @@
             <a:schemeClr val="bg1"/>
           </a:solidFill>
           <a:ln>
-            <a:solidFill>
-              <a:schemeClr val="bg1">
-                <a:lumMod val="50000"/>
-              </a:schemeClr>
-            </a:solidFill>
+            <a:noFill/>
           </a:ln>
         </p:spPr>
         <p:style>
@@ -4033,9 +4019,6 @@
             <a:avLst/>
           </a:prstGeom>
           <a:ln w="28575">
-            <a:solidFill>
-              <a:srgbClr val="7030A0"/>
-            </a:solidFill>
             <a:miter lim="800000"/>
             <a:tailEnd type="triangle" w="sm" len="lg"/>
           </a:ln>
@@ -4134,9 +4117,7 @@
           </a:solidFill>
           <a:ln>
             <a:solidFill>
-              <a:schemeClr val="bg1">
-                <a:lumMod val="50000"/>
-              </a:schemeClr>
+              <a:schemeClr val="bg1"/>
             </a:solidFill>
           </a:ln>
         </p:spPr>
@@ -4223,9 +4204,7 @@
           </a:solidFill>
           <a:ln>
             <a:solidFill>
-              <a:schemeClr val="bg1">
-                <a:lumMod val="50000"/>
-              </a:schemeClr>
+              <a:schemeClr val="bg1"/>
             </a:solidFill>
           </a:ln>
         </p:spPr>
@@ -4287,11 +4266,7 @@
             <a:schemeClr val="bg1"/>
           </a:solidFill>
           <a:ln>
-            <a:solidFill>
-              <a:schemeClr val="bg1">
-                <a:lumMod val="50000"/>
-              </a:schemeClr>
-            </a:solidFill>
+            <a:noFill/>
           </a:ln>
         </p:spPr>
         <p:style>
@@ -4352,11 +4327,7 @@
             <a:schemeClr val="bg1"/>
           </a:solidFill>
           <a:ln>
-            <a:solidFill>
-              <a:schemeClr val="bg1">
-                <a:lumMod val="50000"/>
-              </a:schemeClr>
-            </a:solidFill>
+            <a:noFill/>
           </a:ln>
         </p:spPr>
         <p:style>
@@ -4386,7 +4357,7 @@
             <a:r>
               <a:rPr lang="en-US" altLang="zh-CN" sz="1200" dirty="0">
                 <a:solidFill>
-                  <a:schemeClr val="tx1"/>
+                  <a:srgbClr val="7030A0"/>
                 </a:solidFill>
               </a:rPr>
               <a:t>Movie</a:t>
@@ -4412,11 +4383,7 @@
             <a:schemeClr val="bg1"/>
           </a:solidFill>
           <a:ln>
-            <a:solidFill>
-              <a:schemeClr val="bg1">
-                <a:lumMod val="50000"/>
-              </a:schemeClr>
-            </a:solidFill>
+            <a:noFill/>
           </a:ln>
         </p:spPr>
         <p:style>
@@ -4478,9 +4445,7 @@
           </a:solidFill>
           <a:ln>
             <a:solidFill>
-              <a:schemeClr val="bg1">
-                <a:lumMod val="50000"/>
-              </a:schemeClr>
+              <a:schemeClr val="bg1"/>
             </a:solidFill>
           </a:ln>
         </p:spPr>
@@ -4942,11 +4907,7 @@
             <a:schemeClr val="bg1"/>
           </a:solidFill>
           <a:ln>
-            <a:solidFill>
-              <a:schemeClr val="bg1">
-                <a:lumMod val="50000"/>
-              </a:schemeClr>
-            </a:solidFill>
+            <a:noFill/>
           </a:ln>
         </p:spPr>
         <p:style>
@@ -5071,6 +5032,9 @@
             <a:avLst/>
           </a:prstGeom>
           <a:noFill/>
+          <a:ln>
+            <a:noFill/>
+          </a:ln>
         </p:spPr>
         <p:txBody>
           <a:bodyPr wrap="square" rtlCol="0">
@@ -5131,6 +5095,9 @@
             <a:avLst/>
           </a:prstGeom>
           <a:noFill/>
+          <a:ln>
+            <a:noFill/>
+          </a:ln>
         </p:spPr>
         <p:txBody>
           <a:bodyPr wrap="square" rtlCol="0">
@@ -5158,13 +5125,16 @@
         </p:nvSpPr>
         <p:spPr>
           <a:xfrm>
-            <a:off x="2364376" y="1645091"/>
+            <a:off x="2242516" y="1727754"/>
             <a:ext cx="529947" cy="338554"/>
           </a:xfrm>
           <a:prstGeom prst="rect">
             <a:avLst/>
           </a:prstGeom>
           <a:noFill/>
+          <a:ln>
+            <a:noFill/>
+          </a:ln>
         </p:spPr>
         <p:txBody>
           <a:bodyPr wrap="square" rtlCol="0">
@@ -5233,6 +5203,9 @@
             <a:avLst/>
           </a:prstGeom>
           <a:noFill/>
+          <a:ln>
+            <a:noFill/>
+          </a:ln>
         </p:spPr>
         <p:txBody>
           <a:bodyPr wrap="square" rtlCol="0">
@@ -5273,6 +5246,1199 @@
 </file>
 
 <file path=ppt/slides/slide11.xml><?xml version="1.0" encoding="utf-8"?>
+<p:sld xmlns:a="http://schemas.openxmlformats.org/drawingml/2006/main" xmlns:r="http://schemas.openxmlformats.org/officeDocument/2006/relationships" xmlns:p="http://schemas.openxmlformats.org/presentationml/2006/main">
+  <p:cSld>
+    <p:spTree>
+      <p:nvGrpSpPr>
+        <p:cNvPr id="1" name=""/>
+        <p:cNvGrpSpPr/>
+        <p:nvPr/>
+      </p:nvGrpSpPr>
+      <p:grpSpPr>
+        <a:xfrm>
+          <a:off x="0" y="0"/>
+          <a:ext cx="0" cy="0"/>
+          <a:chOff x="0" y="0"/>
+          <a:chExt cx="0" cy="0"/>
+        </a:xfrm>
+      </p:grpSpPr>
+      <p:sp>
+        <p:nvSpPr>
+          <p:cNvPr id="4" name="圆角矩形 3"/>
+          <p:cNvSpPr/>
+          <p:nvPr/>
+        </p:nvSpPr>
+        <p:spPr>
+          <a:xfrm>
+            <a:off x="3237885" y="2191717"/>
+            <a:ext cx="1459621" cy="465323"/>
+          </a:xfrm>
+          <a:prstGeom prst="roundRect">
+            <a:avLst/>
+          </a:prstGeom>
+          <a:solidFill>
+            <a:schemeClr val="bg1"/>
+          </a:solidFill>
+          <a:ln>
+            <a:noFill/>
+          </a:ln>
+        </p:spPr>
+        <p:style>
+          <a:lnRef idx="0">
+            <a:schemeClr val="accent1"/>
+          </a:lnRef>
+          <a:fillRef idx="3">
+            <a:schemeClr val="accent1"/>
+          </a:fillRef>
+          <a:effectRef idx="3">
+            <a:schemeClr val="accent1"/>
+          </a:effectRef>
+          <a:fontRef idx="minor">
+            <a:schemeClr val="lt1"/>
+          </a:fontRef>
+        </p:style>
+        <p:txBody>
+          <a:bodyPr rot="0" spcFirstLastPara="0" vertOverflow="overflow" horzOverflow="overflow" vert="horz" wrap="square" lIns="91440" tIns="45720" rIns="91440" bIns="45720" numCol="1" spcCol="0" rtlCol="0" fromWordArt="0" anchor="ctr" anchorCtr="0" forceAA="0" compatLnSpc="1">
+            <a:prstTxWarp prst="textNoShape">
+              <a:avLst/>
+            </a:prstTxWarp>
+            <a:noAutofit/>
+          </a:bodyPr>
+          <a:lstStyle/>
+          <a:p>
+            <a:pPr algn="ctr"/>
+            <a:r>
+              <a:rPr lang="en-US" altLang="zh-CN" dirty="0">
+                <a:solidFill>
+                  <a:schemeClr val="tx1"/>
+                </a:solidFill>
+              </a:rPr>
+              <a:t>Leader</a:t>
+            </a:r>
+          </a:p>
+        </p:txBody>
+      </p:sp>
+      <p:sp>
+        <p:nvSpPr>
+          <p:cNvPr id="5" name="圆角矩形 4"/>
+          <p:cNvSpPr/>
+          <p:nvPr/>
+        </p:nvSpPr>
+        <p:spPr>
+          <a:xfrm>
+            <a:off x="3237885" y="5990088"/>
+            <a:ext cx="1852250" cy="506833"/>
+          </a:xfrm>
+          <a:prstGeom prst="roundRect">
+            <a:avLst/>
+          </a:prstGeom>
+          <a:solidFill>
+            <a:schemeClr val="bg1"/>
+          </a:solidFill>
+          <a:ln>
+            <a:noFill/>
+          </a:ln>
+        </p:spPr>
+        <p:style>
+          <a:lnRef idx="0">
+            <a:schemeClr val="accent1"/>
+          </a:lnRef>
+          <a:fillRef idx="3">
+            <a:schemeClr val="accent1"/>
+          </a:fillRef>
+          <a:effectRef idx="3">
+            <a:schemeClr val="accent1"/>
+          </a:effectRef>
+          <a:fontRef idx="minor">
+            <a:schemeClr val="lt1"/>
+          </a:fontRef>
+        </p:style>
+        <p:txBody>
+          <a:bodyPr rot="0" spcFirstLastPara="0" vertOverflow="overflow" horzOverflow="overflow" vert="horz" wrap="square" lIns="91440" tIns="45720" rIns="91440" bIns="45720" numCol="1" spcCol="0" rtlCol="0" fromWordArt="0" anchor="ctr" anchorCtr="0" forceAA="0" compatLnSpc="1">
+            <a:prstTxWarp prst="textNoShape">
+              <a:avLst/>
+            </a:prstTxWarp>
+            <a:noAutofit/>
+          </a:bodyPr>
+          <a:lstStyle/>
+          <a:p>
+            <a:pPr algn="ctr"/>
+            <a:r>
+              <a:rPr lang="en-US" altLang="zh-CN" sz="1400">
+                <a:solidFill>
+                  <a:schemeClr val="tx1"/>
+                </a:solidFill>
+              </a:rPr>
+              <a:t>Bill gates</a:t>
+            </a:r>
+            <a:endParaRPr lang="zh-CN" altLang="en-US" sz="1400" dirty="0">
+              <a:solidFill>
+                <a:schemeClr val="tx1"/>
+              </a:solidFill>
+            </a:endParaRPr>
+          </a:p>
+        </p:txBody>
+      </p:sp>
+      <p:sp>
+        <p:nvSpPr>
+          <p:cNvPr id="6" name="圆角矩形 5"/>
+          <p:cNvSpPr/>
+          <p:nvPr/>
+        </p:nvSpPr>
+        <p:spPr>
+          <a:xfrm>
+            <a:off x="2021606" y="3123041"/>
+            <a:ext cx="1597919" cy="536249"/>
+          </a:xfrm>
+          <a:prstGeom prst="roundRect">
+            <a:avLst/>
+          </a:prstGeom>
+          <a:solidFill>
+            <a:schemeClr val="bg1"/>
+          </a:solidFill>
+          <a:ln>
+            <a:noFill/>
+          </a:ln>
+        </p:spPr>
+        <p:style>
+          <a:lnRef idx="0">
+            <a:schemeClr val="accent1"/>
+          </a:lnRef>
+          <a:fillRef idx="3">
+            <a:schemeClr val="accent1"/>
+          </a:fillRef>
+          <a:effectRef idx="3">
+            <a:schemeClr val="accent1"/>
+          </a:effectRef>
+          <a:fontRef idx="minor">
+            <a:schemeClr val="lt1"/>
+          </a:fontRef>
+        </p:style>
+        <p:txBody>
+          <a:bodyPr rot="0" spcFirstLastPara="0" vertOverflow="overflow" horzOverflow="overflow" vert="horz" wrap="square" lIns="91440" tIns="45720" rIns="91440" bIns="45720" numCol="1" spcCol="0" rtlCol="0" fromWordArt="0" anchor="ctr" anchorCtr="0" forceAA="0" compatLnSpc="1">
+            <a:prstTxWarp prst="textNoShape">
+              <a:avLst/>
+            </a:prstTxWarp>
+            <a:noAutofit/>
+          </a:bodyPr>
+          <a:lstStyle/>
+          <a:p>
+            <a:pPr algn="ctr"/>
+            <a:r>
+              <a:rPr lang="en-US" altLang="zh-CN" sz="1600" dirty="0">
+                <a:solidFill>
+                  <a:schemeClr val="tx1"/>
+                </a:solidFill>
+              </a:rPr>
+              <a:t>Business Leader</a:t>
+            </a:r>
+          </a:p>
+        </p:txBody>
+      </p:sp>
+      <p:sp>
+        <p:nvSpPr>
+          <p:cNvPr id="7" name="圆角矩形 6"/>
+          <p:cNvSpPr/>
+          <p:nvPr/>
+        </p:nvSpPr>
+        <p:spPr>
+          <a:xfrm>
+            <a:off x="4157027" y="3123041"/>
+            <a:ext cx="1474712" cy="535346"/>
+          </a:xfrm>
+          <a:prstGeom prst="roundRect">
+            <a:avLst/>
+          </a:prstGeom>
+          <a:solidFill>
+            <a:schemeClr val="bg1"/>
+          </a:solidFill>
+          <a:ln>
+            <a:noFill/>
+          </a:ln>
+        </p:spPr>
+        <p:style>
+          <a:lnRef idx="0">
+            <a:schemeClr val="accent1"/>
+          </a:lnRef>
+          <a:fillRef idx="3">
+            <a:schemeClr val="accent1"/>
+          </a:fillRef>
+          <a:effectRef idx="3">
+            <a:schemeClr val="accent1"/>
+          </a:effectRef>
+          <a:fontRef idx="minor">
+            <a:schemeClr val="lt1"/>
+          </a:fontRef>
+        </p:style>
+        <p:txBody>
+          <a:bodyPr rot="0" spcFirstLastPara="0" vertOverflow="overflow" horzOverflow="overflow" vert="horz" wrap="square" lIns="91440" tIns="45720" rIns="91440" bIns="45720" numCol="1" spcCol="0" rtlCol="0" fromWordArt="0" anchor="ctr" anchorCtr="0" forceAA="0" compatLnSpc="1">
+            <a:prstTxWarp prst="textNoShape">
+              <a:avLst/>
+            </a:prstTxWarp>
+            <a:noAutofit/>
+          </a:bodyPr>
+          <a:lstStyle/>
+          <a:p>
+            <a:pPr algn="ctr"/>
+            <a:r>
+              <a:rPr lang="en-US" altLang="zh-CN" sz="1400" dirty="0">
+                <a:solidFill>
+                  <a:schemeClr val="tx1"/>
+                </a:solidFill>
+              </a:rPr>
+              <a:t>Successful </a:t>
+            </a:r>
+          </a:p>
+          <a:p>
+            <a:pPr algn="ctr"/>
+            <a:r>
+              <a:rPr lang="en-US" altLang="zh-CN" sz="1400" dirty="0">
+                <a:solidFill>
+                  <a:schemeClr val="tx1"/>
+                </a:solidFill>
+              </a:rPr>
+              <a:t>Business Leader</a:t>
+            </a:r>
+          </a:p>
+        </p:txBody>
+      </p:sp>
+      <p:sp>
+        <p:nvSpPr>
+          <p:cNvPr id="9" name="圆角矩形 8"/>
+          <p:cNvSpPr/>
+          <p:nvPr/>
+        </p:nvSpPr>
+        <p:spPr>
+          <a:xfrm>
+            <a:off x="1850835" y="1930191"/>
+            <a:ext cx="5883006" cy="1885080"/>
+          </a:xfrm>
+          <a:prstGeom prst="roundRect">
+            <a:avLst>
+              <a:gd name="adj" fmla="val 10238"/>
+            </a:avLst>
+          </a:prstGeom>
+          <a:noFill/>
+          <a:ln w="28575">
+            <a:solidFill>
+              <a:srgbClr val="FF0000"/>
+            </a:solidFill>
+            <a:prstDash val="sysDash"/>
+          </a:ln>
+        </p:spPr>
+        <p:style>
+          <a:lnRef idx="2">
+            <a:schemeClr val="accent1">
+              <a:shade val="50000"/>
+            </a:schemeClr>
+          </a:lnRef>
+          <a:fillRef idx="1">
+            <a:schemeClr val="accent1"/>
+          </a:fillRef>
+          <a:effectRef idx="0">
+            <a:schemeClr val="accent1"/>
+          </a:effectRef>
+          <a:fontRef idx="minor">
+            <a:schemeClr val="lt1"/>
+          </a:fontRef>
+        </p:style>
+        <p:txBody>
+          <a:bodyPr rot="0" spcFirstLastPara="0" vertOverflow="overflow" horzOverflow="overflow" vert="horz" wrap="square" lIns="91440" tIns="45720" rIns="91440" bIns="45720" numCol="1" spcCol="0" rtlCol="0" fromWordArt="0" anchor="ctr" anchorCtr="0" forceAA="0" compatLnSpc="1">
+            <a:prstTxWarp prst="textNoShape">
+              <a:avLst/>
+            </a:prstTxWarp>
+            <a:noAutofit/>
+          </a:bodyPr>
+          <a:lstStyle/>
+          <a:p>
+            <a:pPr algn="ctr"/>
+            <a:endParaRPr lang="zh-CN" altLang="en-US" sz="2400" dirty="0" smtClean="0">
+              <a:solidFill>
+                <a:sysClr val="windowText" lastClr="000000"/>
+              </a:solidFill>
+            </a:endParaRPr>
+          </a:p>
+        </p:txBody>
+      </p:sp>
+      <p:sp>
+        <p:nvSpPr>
+          <p:cNvPr id="10" name="文本框 9"/>
+          <p:cNvSpPr txBox="1"/>
+          <p:nvPr/>
+        </p:nvSpPr>
+        <p:spPr>
+          <a:xfrm>
+            <a:off x="6279848" y="2008329"/>
+            <a:ext cx="1453993" cy="338554"/>
+          </a:xfrm>
+          <a:prstGeom prst="rect">
+            <a:avLst/>
+          </a:prstGeom>
+          <a:noFill/>
+        </p:spPr>
+        <p:txBody>
+          <a:bodyPr wrap="square" rtlCol="0">
+            <a:spAutoFit/>
+          </a:bodyPr>
+          <a:lstStyle/>
+          <a:p>
+            <a:r>
+              <a:rPr lang="en-US" altLang="zh-CN" sz="1600" dirty="0" smtClean="0">
+                <a:solidFill>
+                  <a:srgbClr val="FF0000"/>
+                </a:solidFill>
+              </a:rPr>
+              <a:t>Head: leader</a:t>
+            </a:r>
+            <a:endParaRPr lang="zh-CN" altLang="en-US" sz="1600" dirty="0">
+              <a:solidFill>
+                <a:srgbClr val="FF0000"/>
+              </a:solidFill>
+            </a:endParaRPr>
+          </a:p>
+        </p:txBody>
+      </p:sp>
+      <p:cxnSp>
+        <p:nvCxnSpPr>
+          <p:cNvPr id="12" name="直接箭头连接符 11"/>
+          <p:cNvCxnSpPr>
+            <a:stCxn id="5" idx="0"/>
+            <a:endCxn id="7" idx="2"/>
+          </p:cNvCxnSpPr>
+          <p:nvPr/>
+        </p:nvCxnSpPr>
+        <p:spPr>
+          <a:xfrm flipV="1">
+            <a:off x="4164010" y="3658387"/>
+            <a:ext cx="730373" cy="2331701"/>
+          </a:xfrm>
+          <a:prstGeom prst="straightConnector1">
+            <a:avLst/>
+          </a:prstGeom>
+          <a:ln w="19050">
+            <a:solidFill>
+              <a:schemeClr val="bg1">
+                <a:lumMod val="65000"/>
+              </a:schemeClr>
+            </a:solidFill>
+            <a:tailEnd type="triangle"/>
+          </a:ln>
+        </p:spPr>
+        <p:style>
+          <a:lnRef idx="1">
+            <a:schemeClr val="accent1"/>
+          </a:lnRef>
+          <a:fillRef idx="0">
+            <a:schemeClr val="accent1"/>
+          </a:fillRef>
+          <a:effectRef idx="0">
+            <a:schemeClr val="accent1"/>
+          </a:effectRef>
+          <a:fontRef idx="minor">
+            <a:schemeClr val="tx1"/>
+          </a:fontRef>
+        </p:style>
+      </p:cxnSp>
+      <p:cxnSp>
+        <p:nvCxnSpPr>
+          <p:cNvPr id="13" name="直接箭头连接符 12"/>
+          <p:cNvCxnSpPr>
+            <a:stCxn id="5" idx="0"/>
+            <a:endCxn id="6" idx="2"/>
+          </p:cNvCxnSpPr>
+          <p:nvPr/>
+        </p:nvCxnSpPr>
+        <p:spPr>
+          <a:xfrm flipH="1" flipV="1">
+            <a:off x="2820566" y="3659290"/>
+            <a:ext cx="1343444" cy="2330798"/>
+          </a:xfrm>
+          <a:prstGeom prst="straightConnector1">
+            <a:avLst/>
+          </a:prstGeom>
+          <a:ln w="19050">
+            <a:solidFill>
+              <a:schemeClr val="bg1">
+                <a:lumMod val="65000"/>
+              </a:schemeClr>
+            </a:solidFill>
+            <a:tailEnd type="triangle"/>
+          </a:ln>
+        </p:spPr>
+        <p:style>
+          <a:lnRef idx="1">
+            <a:schemeClr val="accent1"/>
+          </a:lnRef>
+          <a:fillRef idx="0">
+            <a:schemeClr val="accent1"/>
+          </a:fillRef>
+          <a:effectRef idx="0">
+            <a:schemeClr val="accent1"/>
+          </a:effectRef>
+          <a:fontRef idx="minor">
+            <a:schemeClr val="tx1"/>
+          </a:fontRef>
+        </p:style>
+      </p:cxnSp>
+      <p:cxnSp>
+        <p:nvCxnSpPr>
+          <p:cNvPr id="19" name="直接箭头连接符 18"/>
+          <p:cNvCxnSpPr>
+            <a:stCxn id="5" idx="0"/>
+            <a:endCxn id="4" idx="2"/>
+          </p:cNvCxnSpPr>
+          <p:nvPr/>
+        </p:nvCxnSpPr>
+        <p:spPr>
+          <a:xfrm flipH="1" flipV="1">
+            <a:off x="3967696" y="2657040"/>
+            <a:ext cx="196314" cy="3333048"/>
+          </a:xfrm>
+          <a:prstGeom prst="straightConnector1">
+            <a:avLst/>
+          </a:prstGeom>
+          <a:ln w="19050">
+            <a:solidFill>
+              <a:schemeClr val="bg1">
+                <a:lumMod val="65000"/>
+              </a:schemeClr>
+            </a:solidFill>
+            <a:tailEnd type="triangle"/>
+          </a:ln>
+        </p:spPr>
+        <p:style>
+          <a:lnRef idx="1">
+            <a:schemeClr val="accent1"/>
+          </a:lnRef>
+          <a:fillRef idx="0">
+            <a:schemeClr val="accent1"/>
+          </a:fillRef>
+          <a:effectRef idx="0">
+            <a:schemeClr val="accent1"/>
+          </a:effectRef>
+          <a:fontRef idx="minor">
+            <a:schemeClr val="tx1"/>
+          </a:fontRef>
+        </p:style>
+      </p:cxnSp>
+      <p:sp>
+        <p:nvSpPr>
+          <p:cNvPr id="22" name="文本框 21"/>
+          <p:cNvSpPr txBox="1"/>
+          <p:nvPr/>
+        </p:nvSpPr>
+        <p:spPr>
+          <a:xfrm>
+            <a:off x="4817005" y="3815271"/>
+            <a:ext cx="506507" cy="369332"/>
+          </a:xfrm>
+          <a:prstGeom prst="rect">
+            <a:avLst/>
+          </a:prstGeom>
+          <a:noFill/>
+        </p:spPr>
+        <p:txBody>
+          <a:bodyPr wrap="square" rtlCol="0">
+            <a:spAutoFit/>
+          </a:bodyPr>
+          <a:lstStyle/>
+          <a:p>
+            <a:r>
+              <a:rPr lang="en-US" altLang="zh-CN" dirty="0" smtClean="0"/>
+              <a:t>1</a:t>
+            </a:r>
+            <a:endParaRPr lang="zh-CN" altLang="en-US" dirty="0"/>
+          </a:p>
+        </p:txBody>
+      </p:sp>
+      <p:sp>
+        <p:nvSpPr>
+          <p:cNvPr id="23" name="文本框 22"/>
+          <p:cNvSpPr txBox="1"/>
+          <p:nvPr/>
+        </p:nvSpPr>
+        <p:spPr>
+          <a:xfrm>
+            <a:off x="2940448" y="3876252"/>
+            <a:ext cx="506507" cy="369332"/>
+          </a:xfrm>
+          <a:prstGeom prst="rect">
+            <a:avLst/>
+          </a:prstGeom>
+          <a:noFill/>
+        </p:spPr>
+        <p:txBody>
+          <a:bodyPr wrap="square" rtlCol="0">
+            <a:spAutoFit/>
+          </a:bodyPr>
+          <a:lstStyle/>
+          <a:p>
+            <a:r>
+              <a:rPr lang="en-US" altLang="zh-CN" dirty="0" smtClean="0"/>
+              <a:t>17</a:t>
+            </a:r>
+            <a:endParaRPr lang="zh-CN" altLang="en-US" dirty="0"/>
+          </a:p>
+        </p:txBody>
+      </p:sp>
+      <p:sp>
+        <p:nvSpPr>
+          <p:cNvPr id="25" name="文本框 24"/>
+          <p:cNvSpPr txBox="1"/>
+          <p:nvPr/>
+        </p:nvSpPr>
+        <p:spPr>
+          <a:xfrm>
+            <a:off x="3802105" y="2787436"/>
+            <a:ext cx="403919" cy="369332"/>
+          </a:xfrm>
+          <a:prstGeom prst="rect">
+            <a:avLst/>
+          </a:prstGeom>
+          <a:noFill/>
+        </p:spPr>
+        <p:txBody>
+          <a:bodyPr wrap="square" rtlCol="0">
+            <a:spAutoFit/>
+          </a:bodyPr>
+          <a:lstStyle/>
+          <a:p>
+            <a:r>
+              <a:rPr lang="en-US" altLang="zh-CN" dirty="0" smtClean="0"/>
+              <a:t>9</a:t>
+            </a:r>
+            <a:endParaRPr lang="zh-CN" altLang="en-US" dirty="0"/>
+          </a:p>
+        </p:txBody>
+      </p:sp>
+      <p:sp>
+        <p:nvSpPr>
+          <p:cNvPr id="27" name="圆角矩形 26"/>
+          <p:cNvSpPr/>
+          <p:nvPr/>
+        </p:nvSpPr>
+        <p:spPr>
+          <a:xfrm>
+            <a:off x="5990861" y="3137152"/>
+            <a:ext cx="1628099" cy="507124"/>
+          </a:xfrm>
+          <a:prstGeom prst="roundRect">
+            <a:avLst/>
+          </a:prstGeom>
+          <a:solidFill>
+            <a:schemeClr val="bg1"/>
+          </a:solidFill>
+          <a:ln>
+            <a:noFill/>
+          </a:ln>
+        </p:spPr>
+        <p:style>
+          <a:lnRef idx="0">
+            <a:schemeClr val="accent1"/>
+          </a:lnRef>
+          <a:fillRef idx="3">
+            <a:schemeClr val="accent1"/>
+          </a:fillRef>
+          <a:effectRef idx="3">
+            <a:schemeClr val="accent1"/>
+          </a:effectRef>
+          <a:fontRef idx="minor">
+            <a:schemeClr val="lt1"/>
+          </a:fontRef>
+        </p:style>
+        <p:txBody>
+          <a:bodyPr rot="0" spcFirstLastPara="0" vertOverflow="overflow" horzOverflow="overflow" vert="horz" wrap="square" lIns="91440" tIns="45720" rIns="91440" bIns="45720" numCol="1" spcCol="0" rtlCol="0" fromWordArt="0" anchor="ctr" anchorCtr="0" forceAA="0" compatLnSpc="1">
+            <a:prstTxWarp prst="textNoShape">
+              <a:avLst/>
+            </a:prstTxWarp>
+            <a:noAutofit/>
+          </a:bodyPr>
+          <a:lstStyle/>
+          <a:p>
+            <a:pPr algn="ctr"/>
+            <a:r>
+              <a:rPr lang="en-US" altLang="zh-CN" sz="1600" dirty="0">
+                <a:solidFill>
+                  <a:schemeClr val="tx1"/>
+                </a:solidFill>
+              </a:rPr>
+              <a:t>Industry Leader</a:t>
+            </a:r>
+          </a:p>
+        </p:txBody>
+      </p:sp>
+      <p:cxnSp>
+        <p:nvCxnSpPr>
+          <p:cNvPr id="28" name="直接箭头连接符 27"/>
+          <p:cNvCxnSpPr>
+            <a:stCxn id="5" idx="0"/>
+            <a:endCxn id="27" idx="2"/>
+          </p:cNvCxnSpPr>
+          <p:nvPr/>
+        </p:nvCxnSpPr>
+        <p:spPr>
+          <a:xfrm flipV="1">
+            <a:off x="4164010" y="3644276"/>
+            <a:ext cx="2640901" cy="2345812"/>
+          </a:xfrm>
+          <a:prstGeom prst="straightConnector1">
+            <a:avLst/>
+          </a:prstGeom>
+          <a:ln w="19050">
+            <a:solidFill>
+              <a:schemeClr val="bg1">
+                <a:lumMod val="65000"/>
+              </a:schemeClr>
+            </a:solidFill>
+            <a:tailEnd type="triangle"/>
+          </a:ln>
+        </p:spPr>
+        <p:style>
+          <a:lnRef idx="1">
+            <a:schemeClr val="accent1"/>
+          </a:lnRef>
+          <a:fillRef idx="0">
+            <a:schemeClr val="accent1"/>
+          </a:fillRef>
+          <a:effectRef idx="0">
+            <a:schemeClr val="accent1"/>
+          </a:effectRef>
+          <a:fontRef idx="minor">
+            <a:schemeClr val="tx1"/>
+          </a:fontRef>
+        </p:style>
+      </p:cxnSp>
+      <p:sp>
+        <p:nvSpPr>
+          <p:cNvPr id="31" name="文本框 30"/>
+          <p:cNvSpPr txBox="1"/>
+          <p:nvPr/>
+        </p:nvSpPr>
+        <p:spPr>
+          <a:xfrm>
+            <a:off x="5125232" y="4854008"/>
+            <a:ext cx="506507" cy="369332"/>
+          </a:xfrm>
+          <a:prstGeom prst="rect">
+            <a:avLst/>
+          </a:prstGeom>
+          <a:noFill/>
+        </p:spPr>
+        <p:txBody>
+          <a:bodyPr wrap="square" rtlCol="0">
+            <a:spAutoFit/>
+          </a:bodyPr>
+          <a:lstStyle/>
+          <a:p>
+            <a:r>
+              <a:rPr lang="en-US" altLang="zh-CN" dirty="0" smtClean="0"/>
+              <a:t>5</a:t>
+            </a:r>
+          </a:p>
+        </p:txBody>
+      </p:sp>
+      <p:sp>
+        <p:nvSpPr>
+          <p:cNvPr id="36" name="圆角矩形 35"/>
+          <p:cNvSpPr/>
+          <p:nvPr/>
+        </p:nvSpPr>
+        <p:spPr>
+          <a:xfrm>
+            <a:off x="6271510" y="4781834"/>
+            <a:ext cx="1066800" cy="500107"/>
+          </a:xfrm>
+          <a:prstGeom prst="roundRect">
+            <a:avLst/>
+          </a:prstGeom>
+          <a:solidFill>
+            <a:schemeClr val="bg1"/>
+          </a:solidFill>
+          <a:ln>
+            <a:noFill/>
+          </a:ln>
+        </p:spPr>
+        <p:style>
+          <a:lnRef idx="0">
+            <a:schemeClr val="accent1"/>
+          </a:lnRef>
+          <a:fillRef idx="3">
+            <a:schemeClr val="accent1"/>
+          </a:fillRef>
+          <a:effectRef idx="3">
+            <a:schemeClr val="accent1"/>
+          </a:effectRef>
+          <a:fontRef idx="minor">
+            <a:schemeClr val="lt1"/>
+          </a:fontRef>
+        </p:style>
+        <p:txBody>
+          <a:bodyPr rot="0" spcFirstLastPara="0" vertOverflow="overflow" horzOverflow="overflow" vert="horz" wrap="square" lIns="91440" tIns="45720" rIns="91440" bIns="45720" numCol="1" spcCol="0" rtlCol="0" fromWordArt="0" anchor="ctr" anchorCtr="0" forceAA="0" compatLnSpc="1">
+            <a:prstTxWarp prst="textNoShape">
+              <a:avLst/>
+            </a:prstTxWarp>
+            <a:noAutofit/>
+          </a:bodyPr>
+          <a:lstStyle/>
+          <a:p>
+            <a:pPr algn="ctr"/>
+            <a:r>
+              <a:rPr lang="en-US" altLang="zh-CN" sz="1600" dirty="0">
+                <a:solidFill>
+                  <a:schemeClr val="tx1"/>
+                </a:solidFill>
+              </a:rPr>
+              <a:t>founder</a:t>
+            </a:r>
+            <a:endParaRPr lang="zh-CN" altLang="en-US" sz="1600" dirty="0">
+              <a:solidFill>
+                <a:schemeClr val="tx1"/>
+              </a:solidFill>
+            </a:endParaRPr>
+          </a:p>
+        </p:txBody>
+      </p:sp>
+      <p:cxnSp>
+        <p:nvCxnSpPr>
+          <p:cNvPr id="43" name="直接箭头连接符 42"/>
+          <p:cNvCxnSpPr>
+            <a:stCxn id="36" idx="0"/>
+            <a:endCxn id="27" idx="2"/>
+          </p:cNvCxnSpPr>
+          <p:nvPr/>
+        </p:nvCxnSpPr>
+        <p:spPr>
+          <a:xfrm flipV="1">
+            <a:off x="6804910" y="3644276"/>
+            <a:ext cx="1" cy="1137558"/>
+          </a:xfrm>
+          <a:prstGeom prst="straightConnector1">
+            <a:avLst/>
+          </a:prstGeom>
+          <a:ln w="19050">
+            <a:solidFill>
+              <a:schemeClr val="accent1"/>
+            </a:solidFill>
+            <a:prstDash val="lgDashDotDot"/>
+            <a:tailEnd type="triangle"/>
+          </a:ln>
+        </p:spPr>
+        <p:style>
+          <a:lnRef idx="1">
+            <a:schemeClr val="accent1"/>
+          </a:lnRef>
+          <a:fillRef idx="0">
+            <a:schemeClr val="accent1"/>
+          </a:fillRef>
+          <a:effectRef idx="0">
+            <a:schemeClr val="accent1"/>
+          </a:effectRef>
+          <a:fontRef idx="minor">
+            <a:schemeClr val="tx1"/>
+          </a:fontRef>
+        </p:style>
+      </p:cxnSp>
+      <p:cxnSp>
+        <p:nvCxnSpPr>
+          <p:cNvPr id="47" name="直接箭头连接符 46"/>
+          <p:cNvCxnSpPr>
+            <a:stCxn id="5" idx="3"/>
+            <a:endCxn id="36" idx="2"/>
+          </p:cNvCxnSpPr>
+          <p:nvPr/>
+        </p:nvCxnSpPr>
+        <p:spPr>
+          <a:xfrm flipV="1">
+            <a:off x="5090135" y="5281941"/>
+            <a:ext cx="1714775" cy="961564"/>
+          </a:xfrm>
+          <a:prstGeom prst="straightConnector1">
+            <a:avLst/>
+          </a:prstGeom>
+          <a:ln w="19050">
+            <a:solidFill>
+              <a:schemeClr val="accent1"/>
+            </a:solidFill>
+            <a:prstDash val="lgDashDotDot"/>
+            <a:tailEnd type="triangle"/>
+          </a:ln>
+        </p:spPr>
+        <p:style>
+          <a:lnRef idx="1">
+            <a:schemeClr val="accent1"/>
+          </a:lnRef>
+          <a:fillRef idx="0">
+            <a:schemeClr val="accent1"/>
+          </a:fillRef>
+          <a:effectRef idx="0">
+            <a:schemeClr val="accent1"/>
+          </a:effectRef>
+          <a:fontRef idx="minor">
+            <a:schemeClr val="tx1"/>
+          </a:fontRef>
+        </p:style>
+      </p:cxnSp>
+      <p:sp>
+        <p:nvSpPr>
+          <p:cNvPr id="50" name="圆角矩形 49"/>
+          <p:cNvSpPr/>
+          <p:nvPr/>
+        </p:nvSpPr>
+        <p:spPr>
+          <a:xfrm>
+            <a:off x="2020847" y="4781834"/>
+            <a:ext cx="1564341" cy="490632"/>
+          </a:xfrm>
+          <a:prstGeom prst="roundRect">
+            <a:avLst/>
+          </a:prstGeom>
+          <a:solidFill>
+            <a:schemeClr val="bg1"/>
+          </a:solidFill>
+          <a:ln>
+            <a:noFill/>
+          </a:ln>
+        </p:spPr>
+        <p:style>
+          <a:lnRef idx="0">
+            <a:schemeClr val="accent1"/>
+          </a:lnRef>
+          <a:fillRef idx="3">
+            <a:schemeClr val="accent1"/>
+          </a:fillRef>
+          <a:effectRef idx="3">
+            <a:schemeClr val="accent1"/>
+          </a:effectRef>
+          <a:fontRef idx="minor">
+            <a:schemeClr val="lt1"/>
+          </a:fontRef>
+        </p:style>
+        <p:txBody>
+          <a:bodyPr rot="0" spcFirstLastPara="0" vertOverflow="overflow" horzOverflow="overflow" vert="horz" wrap="square" lIns="91440" tIns="45720" rIns="91440" bIns="45720" numCol="1" spcCol="0" rtlCol="0" fromWordArt="0" anchor="ctr" anchorCtr="0" forceAA="0" compatLnSpc="1">
+            <a:prstTxWarp prst="textNoShape">
+              <a:avLst/>
+            </a:prstTxWarp>
+            <a:noAutofit/>
+          </a:bodyPr>
+          <a:lstStyle/>
+          <a:p>
+            <a:pPr algn="ctr"/>
+            <a:r>
+              <a:rPr lang="en-US" altLang="zh-CN" sz="1600" dirty="0">
+                <a:solidFill>
+                  <a:schemeClr val="tx1"/>
+                </a:solidFill>
+              </a:rPr>
+              <a:t>Successful entrepreneur</a:t>
+            </a:r>
+            <a:endParaRPr lang="zh-CN" altLang="en-US" sz="1600" dirty="0">
+              <a:solidFill>
+                <a:schemeClr val="tx1"/>
+              </a:solidFill>
+            </a:endParaRPr>
+          </a:p>
+        </p:txBody>
+      </p:sp>
+      <p:cxnSp>
+        <p:nvCxnSpPr>
+          <p:cNvPr id="54" name="直接箭头连接符 53"/>
+          <p:cNvCxnSpPr>
+            <a:stCxn id="5" idx="1"/>
+            <a:endCxn id="50" idx="2"/>
+          </p:cNvCxnSpPr>
+          <p:nvPr/>
+        </p:nvCxnSpPr>
+        <p:spPr>
+          <a:xfrm flipH="1" flipV="1">
+            <a:off x="2803018" y="5272466"/>
+            <a:ext cx="434867" cy="971039"/>
+          </a:xfrm>
+          <a:prstGeom prst="straightConnector1">
+            <a:avLst/>
+          </a:prstGeom>
+          <a:ln w="19050">
+            <a:solidFill>
+              <a:schemeClr val="accent1"/>
+            </a:solidFill>
+            <a:prstDash val="lgDashDotDot"/>
+            <a:tailEnd type="triangle"/>
+          </a:ln>
+        </p:spPr>
+        <p:style>
+          <a:lnRef idx="1">
+            <a:schemeClr val="accent1"/>
+          </a:lnRef>
+          <a:fillRef idx="0">
+            <a:schemeClr val="accent1"/>
+          </a:fillRef>
+          <a:effectRef idx="0">
+            <a:schemeClr val="accent1"/>
+          </a:effectRef>
+          <a:fontRef idx="minor">
+            <a:schemeClr val="tx1"/>
+          </a:fontRef>
+        </p:style>
+      </p:cxnSp>
+      <p:cxnSp>
+        <p:nvCxnSpPr>
+          <p:cNvPr id="61" name="直接箭头连接符 60"/>
+          <p:cNvCxnSpPr>
+            <a:stCxn id="50" idx="0"/>
+            <a:endCxn id="6" idx="2"/>
+          </p:cNvCxnSpPr>
+          <p:nvPr/>
+        </p:nvCxnSpPr>
+        <p:spPr>
+          <a:xfrm flipV="1">
+            <a:off x="2803018" y="3659290"/>
+            <a:ext cx="17548" cy="1122544"/>
+          </a:xfrm>
+          <a:prstGeom prst="straightConnector1">
+            <a:avLst/>
+          </a:prstGeom>
+          <a:ln w="19050">
+            <a:solidFill>
+              <a:schemeClr val="accent1"/>
+            </a:solidFill>
+            <a:prstDash val="lgDashDotDot"/>
+            <a:tailEnd type="triangle"/>
+          </a:ln>
+        </p:spPr>
+        <p:style>
+          <a:lnRef idx="1">
+            <a:schemeClr val="accent1"/>
+          </a:lnRef>
+          <a:fillRef idx="0">
+            <a:schemeClr val="accent1"/>
+          </a:fillRef>
+          <a:effectRef idx="0">
+            <a:schemeClr val="accent1"/>
+          </a:effectRef>
+          <a:fontRef idx="minor">
+            <a:schemeClr val="tx1"/>
+          </a:fontRef>
+        </p:style>
+      </p:cxnSp>
+      <p:sp>
+        <p:nvSpPr>
+          <p:cNvPr id="62" name="文本框 61"/>
+          <p:cNvSpPr txBox="1"/>
+          <p:nvPr/>
+        </p:nvSpPr>
+        <p:spPr>
+          <a:xfrm>
+            <a:off x="2518879" y="3903471"/>
+            <a:ext cx="301686" cy="369332"/>
+          </a:xfrm>
+          <a:prstGeom prst="rect">
+            <a:avLst/>
+          </a:prstGeom>
+          <a:noFill/>
+        </p:spPr>
+        <p:txBody>
+          <a:bodyPr wrap="none" rtlCol="0">
+            <a:spAutoFit/>
+          </a:bodyPr>
+          <a:lstStyle/>
+          <a:p>
+            <a:r>
+              <a:rPr lang="en-US" altLang="zh-CN" dirty="0" smtClean="0"/>
+              <a:t>1</a:t>
+            </a:r>
+            <a:endParaRPr lang="zh-CN" altLang="en-US" dirty="0"/>
+          </a:p>
+        </p:txBody>
+      </p:sp>
+      <p:sp>
+        <p:nvSpPr>
+          <p:cNvPr id="63" name="文本框 62"/>
+          <p:cNvSpPr txBox="1"/>
+          <p:nvPr/>
+        </p:nvSpPr>
+        <p:spPr>
+          <a:xfrm>
+            <a:off x="2915961" y="5281941"/>
+            <a:ext cx="403919" cy="369332"/>
+          </a:xfrm>
+          <a:prstGeom prst="rect">
+            <a:avLst/>
+          </a:prstGeom>
+          <a:noFill/>
+        </p:spPr>
+        <p:txBody>
+          <a:bodyPr wrap="square" rtlCol="0">
+            <a:spAutoFit/>
+          </a:bodyPr>
+          <a:lstStyle/>
+          <a:p>
+            <a:r>
+              <a:rPr lang="en-US" altLang="zh-CN" dirty="0" smtClean="0"/>
+              <a:t>9</a:t>
+            </a:r>
+            <a:endParaRPr lang="zh-CN" altLang="en-US" dirty="0"/>
+          </a:p>
+        </p:txBody>
+      </p:sp>
+      <p:sp>
+        <p:nvSpPr>
+          <p:cNvPr id="64" name="文本框 63"/>
+          <p:cNvSpPr txBox="1"/>
+          <p:nvPr/>
+        </p:nvSpPr>
+        <p:spPr>
+          <a:xfrm>
+            <a:off x="6628543" y="5295707"/>
+            <a:ext cx="506507" cy="369332"/>
+          </a:xfrm>
+          <a:prstGeom prst="rect">
+            <a:avLst/>
+          </a:prstGeom>
+          <a:noFill/>
+        </p:spPr>
+        <p:txBody>
+          <a:bodyPr wrap="square" rtlCol="0">
+            <a:spAutoFit/>
+          </a:bodyPr>
+          <a:lstStyle/>
+          <a:p>
+            <a:r>
+              <a:rPr lang="en-US" altLang="zh-CN" dirty="0" smtClean="0"/>
+              <a:t>1</a:t>
+            </a:r>
+            <a:endParaRPr lang="zh-CN" altLang="en-US" dirty="0"/>
+          </a:p>
+        </p:txBody>
+      </p:sp>
+      <p:sp>
+        <p:nvSpPr>
+          <p:cNvPr id="65" name="文本框 64"/>
+          <p:cNvSpPr txBox="1"/>
+          <p:nvPr/>
+        </p:nvSpPr>
+        <p:spPr>
+          <a:xfrm>
+            <a:off x="6831803" y="3846890"/>
+            <a:ext cx="506507" cy="369332"/>
+          </a:xfrm>
+          <a:prstGeom prst="rect">
+            <a:avLst/>
+          </a:prstGeom>
+          <a:noFill/>
+        </p:spPr>
+        <p:txBody>
+          <a:bodyPr wrap="square" rtlCol="0">
+            <a:spAutoFit/>
+          </a:bodyPr>
+          <a:lstStyle/>
+          <a:p>
+            <a:r>
+              <a:rPr lang="en-US" altLang="zh-CN" dirty="0" smtClean="0"/>
+              <a:t>1</a:t>
+            </a:r>
+            <a:endParaRPr lang="zh-CN" altLang="en-US" dirty="0"/>
+          </a:p>
+        </p:txBody>
+      </p:sp>
+      <p:sp>
+        <p:nvSpPr>
+          <p:cNvPr id="141" name="文本框 140"/>
+          <p:cNvSpPr txBox="1"/>
+          <p:nvPr/>
+        </p:nvSpPr>
+        <p:spPr>
+          <a:xfrm>
+            <a:off x="6766372" y="4364921"/>
+            <a:ext cx="737356" cy="338554"/>
+          </a:xfrm>
+          <a:prstGeom prst="rect">
+            <a:avLst/>
+          </a:prstGeom>
+          <a:noFill/>
+        </p:spPr>
+        <p:txBody>
+          <a:bodyPr wrap="square" rtlCol="0">
+            <a:spAutoFit/>
+          </a:bodyPr>
+          <a:lstStyle>
+            <a:defPPr>
+              <a:defRPr lang="zh-CN"/>
+            </a:defPPr>
+            <a:lvl1pPr>
+              <a:defRPr sz="1600">
+                <a:solidFill>
+                  <a:schemeClr val="accent1"/>
+                </a:solidFill>
+              </a:defRPr>
+            </a:lvl1pPr>
+          </a:lstStyle>
+          <a:p>
+            <a:r>
+              <a:rPr lang="en-US" altLang="zh-CN" dirty="0"/>
+              <a:t>is a</a:t>
+            </a:r>
+            <a:endParaRPr lang="zh-CN" altLang="en-US" dirty="0"/>
+          </a:p>
+        </p:txBody>
+      </p:sp>
+      <p:sp>
+        <p:nvSpPr>
+          <p:cNvPr id="142" name="文本框 141"/>
+          <p:cNvSpPr txBox="1"/>
+          <p:nvPr/>
+        </p:nvSpPr>
+        <p:spPr>
+          <a:xfrm>
+            <a:off x="2418149" y="4380508"/>
+            <a:ext cx="737356" cy="338554"/>
+          </a:xfrm>
+          <a:prstGeom prst="rect">
+            <a:avLst/>
+          </a:prstGeom>
+          <a:noFill/>
+        </p:spPr>
+        <p:txBody>
+          <a:bodyPr wrap="square" rtlCol="0">
+            <a:spAutoFit/>
+          </a:bodyPr>
+          <a:lstStyle/>
+          <a:p>
+            <a:r>
+              <a:rPr lang="en-US" altLang="zh-CN" sz="1600" dirty="0" smtClean="0">
+                <a:solidFill>
+                  <a:schemeClr val="accent1"/>
+                </a:solidFill>
+              </a:rPr>
+              <a:t>is a</a:t>
+            </a:r>
+            <a:endParaRPr lang="zh-CN" altLang="en-US" sz="1600" dirty="0">
+              <a:solidFill>
+                <a:schemeClr val="accent1"/>
+              </a:solidFill>
+            </a:endParaRPr>
+          </a:p>
+        </p:txBody>
+      </p:sp>
+    </p:spTree>
+    <p:extLst>
+      <p:ext uri="{BB962C8B-B14F-4D97-AF65-F5344CB8AC3E}">
+        <p14:creationId xmlns:p14="http://schemas.microsoft.com/office/powerpoint/2010/main" val="3959642065"/>
+      </p:ext>
+    </p:extLst>
+  </p:cSld>
+  <p:clrMapOvr>
+    <a:masterClrMapping/>
+  </p:clrMapOvr>
+  <p:timing>
+    <p:tnLst>
+      <p:par>
+        <p:cTn id="1" dur="indefinite" restart="never" nodeType="tmRoot"/>
+      </p:par>
+    </p:tnLst>
+  </p:timing>
+</p:sld>
+</file>
+
+<file path=ppt/slides/slide12.xml><?xml version="1.0" encoding="utf-8"?>
 <p:sld xmlns:a="http://schemas.openxmlformats.org/drawingml/2006/main" xmlns:r="http://schemas.openxmlformats.org/officeDocument/2006/relationships" xmlns:p="http://schemas.openxmlformats.org/presentationml/2006/main" show="0">
   <p:cSld>
     <p:spTree>
@@ -7080,7 +8246,7 @@
 </p:sld>
 </file>
 
-<file path=ppt/slides/slide12.xml><?xml version="1.0" encoding="utf-8"?>
+<file path=ppt/slides/slide13.xml><?xml version="1.0" encoding="utf-8"?>
 <p:sld xmlns:a="http://schemas.openxmlformats.org/drawingml/2006/main" xmlns:r="http://schemas.openxmlformats.org/officeDocument/2006/relationships" xmlns:p="http://schemas.openxmlformats.org/presentationml/2006/main">
   <p:cSld>
     <p:spTree>
@@ -8090,13 +9256,15 @@
           <a:solidFill>
             <a:schemeClr val="bg1"/>
           </a:solidFill>
-          <a:ln>
+          <a:ln w="19050">
             <a:solidFill>
               <a:schemeClr val="bg1">
                 <a:lumMod val="50000"/>
               </a:schemeClr>
             </a:solidFill>
+            <a:prstDash val="lgDash"/>
           </a:ln>
+          <a:effectLst/>
         </p:spPr>
         <p:style>
           <a:lnRef idx="0">
@@ -8147,10 +9315,10 @@
           <a:solidFill>
             <a:schemeClr val="bg1"/>
           </a:solidFill>
-          <a:ln>
+          <a:ln w="12700">
             <a:solidFill>
               <a:schemeClr val="bg1">
-                <a:lumMod val="50000"/>
+                <a:lumMod val="65000"/>
               </a:schemeClr>
             </a:solidFill>
           </a:ln>
@@ -8207,10 +9375,10 @@
           <a:solidFill>
             <a:schemeClr val="bg1"/>
           </a:solidFill>
-          <a:ln>
+          <a:ln w="12700">
             <a:solidFill>
               <a:schemeClr val="bg1">
-                <a:lumMod val="50000"/>
+                <a:lumMod val="65000"/>
               </a:schemeClr>
             </a:solidFill>
           </a:ln>
@@ -8297,10 +9465,10 @@
           <a:solidFill>
             <a:schemeClr val="bg1"/>
           </a:solidFill>
-          <a:ln>
+          <a:ln w="12700">
             <a:solidFill>
               <a:schemeClr val="bg1">
-                <a:lumMod val="50000"/>
+                <a:lumMod val="65000"/>
               </a:schemeClr>
             </a:solidFill>
           </a:ln>
@@ -8388,11 +9556,7 @@
             <a:schemeClr val="bg1"/>
           </a:solidFill>
           <a:ln>
-            <a:solidFill>
-              <a:schemeClr val="bg1">
-                <a:lumMod val="50000"/>
-              </a:schemeClr>
-            </a:solidFill>
+            <a:noFill/>
           </a:ln>
         </p:spPr>
         <p:style>
@@ -8453,11 +9617,7 @@
             <a:schemeClr val="bg1"/>
           </a:solidFill>
           <a:ln>
-            <a:solidFill>
-              <a:schemeClr val="bg1">
-                <a:lumMod val="50000"/>
-              </a:schemeClr>
-            </a:solidFill>
+            <a:noFill/>
           </a:ln>
         </p:spPr>
         <p:style>
@@ -8518,11 +9678,7 @@
             <a:schemeClr val="bg1"/>
           </a:solidFill>
           <a:ln>
-            <a:solidFill>
-              <a:schemeClr val="bg1">
-                <a:lumMod val="50000"/>
-              </a:schemeClr>
-            </a:solidFill>
+            <a:noFill/>
           </a:ln>
         </p:spPr>
         <p:style>
@@ -8730,11 +9886,7 @@
                 <a:schemeClr val="bg1"/>
               </a:solidFill>
               <a:ln>
-                <a:solidFill>
-                  <a:schemeClr val="bg1">
-                    <a:lumMod val="50000"/>
-                  </a:schemeClr>
-                </a:solidFill>
+                <a:noFill/>
               </a:ln>
             </p:spPr>
             <p:style>
@@ -8887,17 +10039,13 @@
                 <a:avLst/>
               </a:prstGeom>
               <a:blipFill rotWithShape="0">
-                <a:blip r:embed="rId3"/>
+                <a:blip r:embed="rId2"/>
                 <a:stretch>
                   <a:fillRect/>
                 </a:stretch>
               </a:blipFill>
               <a:ln>
-                <a:solidFill>
-                  <a:schemeClr val="bg1">
-                    <a:lumMod val="50000"/>
-                  </a:schemeClr>
-                </a:solidFill>
+                <a:noFill/>
               </a:ln>
             </p:spPr>
             <p:txBody>
@@ -8935,11 +10083,7 @@
                 <a:schemeClr val="bg1"/>
               </a:solidFill>
               <a:ln>
-                <a:solidFill>
-                  <a:schemeClr val="bg1">
-                    <a:lumMod val="50000"/>
-                  </a:schemeClr>
-                </a:solidFill>
+                <a:noFill/>
               </a:ln>
             </p:spPr>
             <p:style>
@@ -9441,17 +10585,13 @@
                 <a:avLst/>
               </a:prstGeom>
               <a:blipFill rotWithShape="0">
-                <a:blip r:embed="rId4"/>
+                <a:blip r:embed="rId3"/>
                 <a:stretch>
                   <a:fillRect/>
                 </a:stretch>
               </a:blipFill>
               <a:ln>
-                <a:solidFill>
-                  <a:schemeClr val="bg1">
-                    <a:lumMod val="50000"/>
-                  </a:schemeClr>
-                </a:solidFill>
+                <a:noFill/>
               </a:ln>
             </p:spPr>
             <p:txBody>
@@ -9482,6 +10622,7 @@
             <a:chOff x="6598572" y="1168400"/>
             <a:chExt cx="1034128" cy="347487"/>
           </a:xfrm>
+          <a:effectLst/>
         </p:grpSpPr>
         <p:sp>
           <p:nvSpPr>
@@ -9501,11 +10642,7 @@
               <a:schemeClr val="bg1"/>
             </a:solidFill>
             <a:ln>
-              <a:solidFill>
-                <a:schemeClr val="bg1">
-                  <a:lumMod val="50000"/>
-                </a:schemeClr>
-              </a:solidFill>
+              <a:noFill/>
             </a:ln>
           </p:spPr>
           <p:style>
@@ -9558,11 +10695,7 @@
               <a:schemeClr val="bg1"/>
             </a:solidFill>
             <a:ln>
-              <a:solidFill>
-                <a:schemeClr val="bg1">
-                  <a:lumMod val="50000"/>
-                </a:schemeClr>
-              </a:solidFill>
+              <a:noFill/>
             </a:ln>
           </p:spPr>
           <p:style>

--- a/resources/mypaper.pptx
+++ b/resources/mypaper.pptx
@@ -255,7 +255,7 @@
           <a:p>
             <a:fld id="{CF4993DB-1284-461A-A2D5-97453C944B44}" type="datetimeFigureOut">
               <a:rPr lang="zh-CN" altLang="en-US" smtClean="0"/>
-              <a:t>2015/9/11</a:t>
+              <a:t>2015/9/14</a:t>
             </a:fld>
             <a:endParaRPr lang="zh-CN" altLang="en-US"/>
           </a:p>
@@ -425,7 +425,7 @@
           <a:p>
             <a:fld id="{CF4993DB-1284-461A-A2D5-97453C944B44}" type="datetimeFigureOut">
               <a:rPr lang="zh-CN" altLang="en-US" smtClean="0"/>
-              <a:t>2015/9/11</a:t>
+              <a:t>2015/9/14</a:t>
             </a:fld>
             <a:endParaRPr lang="zh-CN" altLang="en-US"/>
           </a:p>
@@ -605,7 +605,7 @@
           <a:p>
             <a:fld id="{CF4993DB-1284-461A-A2D5-97453C944B44}" type="datetimeFigureOut">
               <a:rPr lang="zh-CN" altLang="en-US" smtClean="0"/>
-              <a:t>2015/9/11</a:t>
+              <a:t>2015/9/14</a:t>
             </a:fld>
             <a:endParaRPr lang="zh-CN" altLang="en-US"/>
           </a:p>
@@ -775,7 +775,7 @@
           <a:p>
             <a:fld id="{CF4993DB-1284-461A-A2D5-97453C944B44}" type="datetimeFigureOut">
               <a:rPr lang="zh-CN" altLang="en-US" smtClean="0"/>
-              <a:t>2015/9/11</a:t>
+              <a:t>2015/9/14</a:t>
             </a:fld>
             <a:endParaRPr lang="zh-CN" altLang="en-US"/>
           </a:p>
@@ -1021,7 +1021,7 @@
           <a:p>
             <a:fld id="{CF4993DB-1284-461A-A2D5-97453C944B44}" type="datetimeFigureOut">
               <a:rPr lang="zh-CN" altLang="en-US" smtClean="0"/>
-              <a:t>2015/9/11</a:t>
+              <a:t>2015/9/14</a:t>
             </a:fld>
             <a:endParaRPr lang="zh-CN" altLang="en-US"/>
           </a:p>
@@ -1253,7 +1253,7 @@
           <a:p>
             <a:fld id="{CF4993DB-1284-461A-A2D5-97453C944B44}" type="datetimeFigureOut">
               <a:rPr lang="zh-CN" altLang="en-US" smtClean="0"/>
-              <a:t>2015/9/11</a:t>
+              <a:t>2015/9/14</a:t>
             </a:fld>
             <a:endParaRPr lang="zh-CN" altLang="en-US"/>
           </a:p>
@@ -1620,7 +1620,7 @@
           <a:p>
             <a:fld id="{CF4993DB-1284-461A-A2D5-97453C944B44}" type="datetimeFigureOut">
               <a:rPr lang="zh-CN" altLang="en-US" smtClean="0"/>
-              <a:t>2015/9/11</a:t>
+              <a:t>2015/9/14</a:t>
             </a:fld>
             <a:endParaRPr lang="zh-CN" altLang="en-US"/>
           </a:p>
@@ -1738,7 +1738,7 @@
           <a:p>
             <a:fld id="{CF4993DB-1284-461A-A2D5-97453C944B44}" type="datetimeFigureOut">
               <a:rPr lang="zh-CN" altLang="en-US" smtClean="0"/>
-              <a:t>2015/9/11</a:t>
+              <a:t>2015/9/14</a:t>
             </a:fld>
             <a:endParaRPr lang="zh-CN" altLang="en-US"/>
           </a:p>
@@ -1833,7 +1833,7 @@
           <a:p>
             <a:fld id="{CF4993DB-1284-461A-A2D5-97453C944B44}" type="datetimeFigureOut">
               <a:rPr lang="zh-CN" altLang="en-US" smtClean="0"/>
-              <a:t>2015/9/11</a:t>
+              <a:t>2015/9/14</a:t>
             </a:fld>
             <a:endParaRPr lang="zh-CN" altLang="en-US"/>
           </a:p>
@@ -2110,7 +2110,7 @@
           <a:p>
             <a:fld id="{CF4993DB-1284-461A-A2D5-97453C944B44}" type="datetimeFigureOut">
               <a:rPr lang="zh-CN" altLang="en-US" smtClean="0"/>
-              <a:t>2015/9/11</a:t>
+              <a:t>2015/9/14</a:t>
             </a:fld>
             <a:endParaRPr lang="zh-CN" altLang="en-US"/>
           </a:p>
@@ -2363,7 +2363,7 @@
           <a:p>
             <a:fld id="{CF4993DB-1284-461A-A2D5-97453C944B44}" type="datetimeFigureOut">
               <a:rPr lang="zh-CN" altLang="en-US" smtClean="0"/>
-              <a:t>2015/9/11</a:t>
+              <a:t>2015/9/14</a:t>
             </a:fld>
             <a:endParaRPr lang="zh-CN" altLang="en-US"/>
           </a:p>
@@ -2576,7 +2576,7 @@
           <a:p>
             <a:fld id="{CF4993DB-1284-461A-A2D5-97453C944B44}" type="datetimeFigureOut">
               <a:rPr lang="zh-CN" altLang="en-US" smtClean="0"/>
-              <a:t>2015/9/11</a:t>
+              <a:t>2015/9/14</a:t>
             </a:fld>
             <a:endParaRPr lang="zh-CN" altLang="en-US"/>
           </a:p>
@@ -3064,8 +3064,8 @@
         </p:nvSpPr>
         <p:spPr>
           <a:xfrm>
-            <a:off x="5289641" y="1740973"/>
-            <a:ext cx="1251890" cy="2791912"/>
+            <a:off x="5289641" y="1885950"/>
+            <a:ext cx="1251890" cy="2316210"/>
           </a:xfrm>
           <a:prstGeom prst="roundRect">
             <a:avLst>
@@ -3126,7 +3126,7 @@
         </p:nvSpPr>
         <p:spPr>
           <a:xfrm>
-            <a:off x="1966629" y="1713148"/>
+            <a:off x="2081233" y="1646466"/>
             <a:ext cx="1231910" cy="2902365"/>
           </a:xfrm>
           <a:prstGeom prst="ellipse">
@@ -3186,7 +3186,7 @@
         </p:nvSpPr>
         <p:spPr>
           <a:xfrm>
-            <a:off x="7070659" y="1704852"/>
+            <a:off x="6903835" y="1646465"/>
             <a:ext cx="1347185" cy="2902366"/>
           </a:xfrm>
           <a:prstGeom prst="ellipse">
@@ -3246,8 +3246,8 @@
         </p:nvSpPr>
         <p:spPr>
           <a:xfrm>
-            <a:off x="3675447" y="1740973"/>
-            <a:ext cx="1251890" cy="2791912"/>
+            <a:off x="3675447" y="1885950"/>
+            <a:ext cx="1251890" cy="2316210"/>
           </a:xfrm>
           <a:prstGeom prst="roundRect">
             <a:avLst>
@@ -3430,7 +3430,7 @@
         </p:nvSpPr>
         <p:spPr>
           <a:xfrm>
-            <a:off x="2148312" y="2209234"/>
+            <a:off x="2262916" y="2142552"/>
             <a:ext cx="825588" cy="308916"/>
           </a:xfrm>
           <a:prstGeom prst="roundRect">
@@ -3491,7 +3491,7 @@
         </p:nvSpPr>
         <p:spPr>
           <a:xfrm>
-            <a:off x="2150046" y="2752812"/>
+            <a:off x="2264650" y="2686130"/>
             <a:ext cx="813089" cy="308916"/>
           </a:xfrm>
           <a:prstGeom prst="roundRect">
@@ -3552,7 +3552,7 @@
         </p:nvSpPr>
         <p:spPr>
           <a:xfrm>
-            <a:off x="2151531" y="3293212"/>
+            <a:off x="2266135" y="3226530"/>
             <a:ext cx="818450" cy="304271"/>
           </a:xfrm>
           <a:prstGeom prst="roundRect">
@@ -3613,7 +3613,7 @@
         </p:nvSpPr>
         <p:spPr>
           <a:xfrm>
-            <a:off x="2150046" y="3829293"/>
+            <a:off x="2264650" y="3762611"/>
             <a:ext cx="819935" cy="306939"/>
           </a:xfrm>
           <a:prstGeom prst="roundRect">
@@ -3677,8 +3677,8 @@
         </p:nvCxnSpPr>
         <p:spPr>
           <a:xfrm flipH="1" flipV="1">
-            <a:off x="2973900" y="2363692"/>
-            <a:ext cx="767340" cy="108229"/>
+            <a:off x="3088504" y="2297010"/>
+            <a:ext cx="652736" cy="174911"/>
           </a:xfrm>
           <a:prstGeom prst="straightConnector1">
             <a:avLst/>
@@ -3718,8 +3718,8 @@
         </p:nvCxnSpPr>
         <p:spPr>
           <a:xfrm flipH="1">
-            <a:off x="2969981" y="2471921"/>
-            <a:ext cx="771259" cy="973427"/>
+            <a:off x="3084585" y="2471921"/>
+            <a:ext cx="656655" cy="906745"/>
           </a:xfrm>
           <a:prstGeom prst="straightConnector1">
             <a:avLst/>
@@ -3755,8 +3755,8 @@
         </p:nvCxnSpPr>
         <p:spPr>
           <a:xfrm flipH="1">
-            <a:off x="2969981" y="2471921"/>
-            <a:ext cx="771259" cy="1510842"/>
+            <a:off x="3084585" y="2471921"/>
+            <a:ext cx="656655" cy="1444160"/>
           </a:xfrm>
           <a:prstGeom prst="straightConnector1">
             <a:avLst/>
@@ -3792,8 +3792,8 @@
         </p:nvCxnSpPr>
         <p:spPr>
           <a:xfrm flipH="1" flipV="1">
-            <a:off x="2963135" y="2907270"/>
-            <a:ext cx="841531" cy="100089"/>
+            <a:off x="3077739" y="2840588"/>
+            <a:ext cx="726927" cy="166771"/>
           </a:xfrm>
           <a:prstGeom prst="straightConnector1">
             <a:avLst/>
@@ -3832,8 +3832,8 @@
         </p:nvCxnSpPr>
         <p:spPr>
           <a:xfrm flipH="1" flipV="1">
-            <a:off x="2973900" y="2363692"/>
-            <a:ext cx="830766" cy="643667"/>
+            <a:off x="3088504" y="2297010"/>
+            <a:ext cx="716162" cy="710349"/>
           </a:xfrm>
           <a:prstGeom prst="straightConnector1">
             <a:avLst/>
@@ -3870,7 +3870,7 @@
         </p:nvSpPr>
         <p:spPr>
           <a:xfrm>
-            <a:off x="3811677" y="3425987"/>
+            <a:off x="3802538" y="3470668"/>
             <a:ext cx="997708" cy="313944"/>
           </a:xfrm>
           <a:prstGeom prst="roundRect">
@@ -3934,8 +3934,8 @@
         </p:nvCxnSpPr>
         <p:spPr>
           <a:xfrm flipH="1" flipV="1">
-            <a:off x="2973900" y="2363692"/>
-            <a:ext cx="837777" cy="1219267"/>
+            <a:off x="3088504" y="2297010"/>
+            <a:ext cx="714034" cy="1330630"/>
           </a:xfrm>
           <a:prstGeom prst="straightConnector1">
             <a:avLst/>
@@ -3975,8 +3975,8 @@
         </p:nvCxnSpPr>
         <p:spPr>
           <a:xfrm flipH="1">
-            <a:off x="2969981" y="3582959"/>
-            <a:ext cx="841696" cy="399804"/>
+            <a:off x="3084585" y="3627640"/>
+            <a:ext cx="717953" cy="288441"/>
           </a:xfrm>
           <a:prstGeom prst="straightConnector1">
             <a:avLst/>
@@ -4012,8 +4012,8 @@
         </p:nvCxnSpPr>
         <p:spPr>
           <a:xfrm flipH="1" flipV="1">
-            <a:off x="2969981" y="3445348"/>
-            <a:ext cx="841696" cy="137611"/>
+            <a:off x="3084585" y="3378666"/>
+            <a:ext cx="717953" cy="248974"/>
           </a:xfrm>
           <a:prstGeom prst="straightConnector1">
             <a:avLst/>
@@ -4040,66 +4040,6 @@
       </p:cxnSp>
       <p:sp>
         <p:nvSpPr>
-          <p:cNvPr id="45" name="文本框 44"/>
-          <p:cNvSpPr txBox="1"/>
-          <p:nvPr/>
-        </p:nvSpPr>
-        <p:spPr>
-          <a:xfrm>
-            <a:off x="2364376" y="4163552"/>
-            <a:ext cx="482600" cy="369332"/>
-          </a:xfrm>
-          <a:prstGeom prst="rect">
-            <a:avLst/>
-          </a:prstGeom>
-          <a:noFill/>
-        </p:spPr>
-        <p:txBody>
-          <a:bodyPr wrap="square" rtlCol="0">
-            <a:spAutoFit/>
-          </a:bodyPr>
-          <a:lstStyle/>
-          <a:p>
-            <a:r>
-              <a:rPr lang="en-US" altLang="zh-CN" dirty="0" smtClean="0"/>
-              <a:t> …</a:t>
-            </a:r>
-            <a:endParaRPr lang="zh-CN" altLang="en-US" dirty="0"/>
-          </a:p>
-        </p:txBody>
-      </p:sp>
-      <p:sp>
-        <p:nvSpPr>
-          <p:cNvPr id="46" name="文本框 45"/>
-          <p:cNvSpPr txBox="1"/>
-          <p:nvPr/>
-        </p:nvSpPr>
-        <p:spPr>
-          <a:xfrm>
-            <a:off x="4076778" y="3949704"/>
-            <a:ext cx="482600" cy="400110"/>
-          </a:xfrm>
-          <a:prstGeom prst="rect">
-            <a:avLst/>
-          </a:prstGeom>
-          <a:noFill/>
-        </p:spPr>
-        <p:txBody>
-          <a:bodyPr wrap="square" rtlCol="0">
-            <a:spAutoFit/>
-          </a:bodyPr>
-          <a:lstStyle/>
-          <a:p>
-            <a:r>
-              <a:rPr lang="en-US" altLang="zh-CN" sz="2000" dirty="0" smtClean="0"/>
-              <a:t> …</a:t>
-            </a:r>
-            <a:endParaRPr lang="zh-CN" altLang="en-US" sz="2000" dirty="0"/>
-          </a:p>
-        </p:txBody>
-      </p:sp>
-      <p:sp>
-        <p:nvSpPr>
           <p:cNvPr id="50" name="圆角矩形 49"/>
           <p:cNvSpPr/>
           <p:nvPr/>
@@ -4107,7 +4047,7 @@
         <p:spPr>
           <a:xfrm>
             <a:off x="5405749" y="2850388"/>
-            <a:ext cx="1001964" cy="313944"/>
+            <a:ext cx="1025758" cy="313944"/>
           </a:xfrm>
           <a:prstGeom prst="roundRect">
             <a:avLst/>
@@ -4193,8 +4133,8 @@
         </p:nvSpPr>
         <p:spPr>
           <a:xfrm>
-            <a:off x="5408647" y="2314949"/>
-            <a:ext cx="1022860" cy="313944"/>
+            <a:off x="5405748" y="2314949"/>
+            <a:ext cx="1025759" cy="313944"/>
           </a:xfrm>
           <a:prstGeom prst="roundRect">
             <a:avLst/>
@@ -4256,7 +4196,7 @@
         </p:nvSpPr>
         <p:spPr>
           <a:xfrm>
-            <a:off x="7205014" y="2734295"/>
+            <a:off x="7038190" y="2675908"/>
             <a:ext cx="1082713" cy="312506"/>
           </a:xfrm>
           <a:prstGeom prst="roundRect">
@@ -4317,7 +4257,7 @@
         </p:nvSpPr>
         <p:spPr>
           <a:xfrm>
-            <a:off x="7290321" y="3305313"/>
+            <a:off x="7123497" y="3246926"/>
             <a:ext cx="912101" cy="309737"/>
           </a:xfrm>
           <a:prstGeom prst="roundRect">
@@ -4373,7 +4313,7 @@
         </p:nvSpPr>
         <p:spPr>
           <a:xfrm>
-            <a:off x="7284668" y="3878086"/>
+            <a:off x="7117844" y="3819699"/>
             <a:ext cx="912101" cy="324074"/>
           </a:xfrm>
           <a:prstGeom prst="roundRect">
@@ -4434,8 +4374,8 @@
         </p:nvSpPr>
         <p:spPr>
           <a:xfrm>
-            <a:off x="5402994" y="3425987"/>
-            <a:ext cx="1022860" cy="403306"/>
+            <a:off x="5405748" y="3425987"/>
+            <a:ext cx="1020105" cy="403306"/>
           </a:xfrm>
           <a:prstGeom prst="roundRect">
             <a:avLst/>
@@ -4501,7 +4441,7 @@
         <p:spPr>
           <a:xfrm>
             <a:off x="4863911" y="2471921"/>
-            <a:ext cx="544736" cy="0"/>
+            <a:ext cx="541837" cy="0"/>
           </a:xfrm>
           <a:prstGeom prst="line">
             <a:avLst/>
@@ -4584,8 +4524,8 @@
         </p:nvCxnSpPr>
         <p:spPr>
           <a:xfrm>
-            <a:off x="4809385" y="3582959"/>
-            <a:ext cx="593609" cy="44681"/>
+            <a:off x="4800246" y="3627640"/>
+            <a:ext cx="605502" cy="0"/>
           </a:xfrm>
           <a:prstGeom prst="line">
             <a:avLst/>
@@ -4627,7 +4567,7 @@
         <p:spPr>
           <a:xfrm>
             <a:off x="6431507" y="2471921"/>
-            <a:ext cx="773507" cy="418627"/>
+            <a:ext cx="606683" cy="360240"/>
           </a:xfrm>
           <a:prstGeom prst="straightConnector1">
             <a:avLst/>
@@ -4668,7 +4608,7 @@
         <p:spPr>
           <a:xfrm>
             <a:off x="6431507" y="2471921"/>
-            <a:ext cx="853161" cy="1568202"/>
+            <a:ext cx="686337" cy="1509815"/>
           </a:xfrm>
           <a:prstGeom prst="straightConnector1">
             <a:avLst/>
@@ -4704,8 +4644,8 @@
         </p:nvCxnSpPr>
         <p:spPr>
           <a:xfrm>
-            <a:off x="6407713" y="3007360"/>
-            <a:ext cx="882608" cy="452822"/>
+            <a:off x="6431507" y="3007360"/>
+            <a:ext cx="691990" cy="394435"/>
           </a:xfrm>
           <a:prstGeom prst="straightConnector1">
             <a:avLst/>
@@ -4744,8 +4684,8 @@
         </p:nvCxnSpPr>
         <p:spPr>
           <a:xfrm>
-            <a:off x="6407713" y="3007360"/>
-            <a:ext cx="876955" cy="1032763"/>
+            <a:off x="6431507" y="3007360"/>
+            <a:ext cx="686337" cy="974376"/>
           </a:xfrm>
           <a:prstGeom prst="straightConnector1">
             <a:avLst/>
@@ -4781,8 +4721,8 @@
         </p:nvCxnSpPr>
         <p:spPr>
           <a:xfrm flipV="1">
-            <a:off x="6407713" y="2890548"/>
-            <a:ext cx="797301" cy="116812"/>
+            <a:off x="6431507" y="2832161"/>
+            <a:ext cx="606683" cy="175199"/>
           </a:xfrm>
           <a:prstGeom prst="straightConnector1">
             <a:avLst/>
@@ -4822,8 +4762,8 @@
         </p:nvCxnSpPr>
         <p:spPr>
           <a:xfrm flipV="1">
-            <a:off x="6425854" y="2890548"/>
-            <a:ext cx="779160" cy="737092"/>
+            <a:off x="6425853" y="2832161"/>
+            <a:ext cx="612337" cy="795479"/>
           </a:xfrm>
           <a:prstGeom prst="straightConnector1">
             <a:avLst/>
@@ -4863,8 +4803,8 @@
         </p:nvCxnSpPr>
         <p:spPr>
           <a:xfrm>
-            <a:off x="6425854" y="3627640"/>
-            <a:ext cx="858814" cy="412483"/>
+            <a:off x="6425853" y="3627640"/>
+            <a:ext cx="691991" cy="354096"/>
           </a:xfrm>
           <a:prstGeom prst="straightConnector1">
             <a:avLst/>
@@ -4897,7 +4837,7 @@
         </p:nvSpPr>
         <p:spPr>
           <a:xfrm>
-            <a:off x="7274692" y="2171568"/>
+            <a:off x="7107868" y="2113181"/>
             <a:ext cx="932045" cy="308916"/>
           </a:xfrm>
           <a:prstGeom prst="roundRect">
@@ -4961,8 +4901,8 @@
         </p:nvCxnSpPr>
         <p:spPr>
           <a:xfrm flipV="1">
-            <a:off x="6431507" y="2326026"/>
-            <a:ext cx="843185" cy="145895"/>
+            <a:off x="6431507" y="2267639"/>
+            <a:ext cx="676361" cy="204282"/>
           </a:xfrm>
           <a:prstGeom prst="straightConnector1">
             <a:avLst/>
@@ -5019,14 +4959,14 @@
       </p:sp>
       <p:sp>
         <p:nvSpPr>
-          <p:cNvPr id="221" name="文本框 220"/>
+          <p:cNvPr id="224" name="文本框 223"/>
           <p:cNvSpPr txBox="1"/>
           <p:nvPr/>
         </p:nvSpPr>
         <p:spPr>
           <a:xfrm>
-            <a:off x="7499418" y="4211647"/>
-            <a:ext cx="482600" cy="400110"/>
+            <a:off x="7416284" y="1612734"/>
+            <a:ext cx="529947" cy="338554"/>
           </a:xfrm>
           <a:prstGeom prst="rect">
             <a:avLst/>
@@ -5043,28 +4983,35 @@
           <a:lstStyle/>
           <a:p>
             <a:r>
-              <a:rPr lang="en-US" altLang="zh-CN" sz="2000" dirty="0" smtClean="0"/>
-              <a:t> …</a:t>
-            </a:r>
-            <a:endParaRPr lang="zh-CN" altLang="en-US" sz="2000" dirty="0"/>
-          </a:p>
-        </p:txBody>
-      </p:sp>
-      <p:sp>
-        <p:nvSpPr>
-          <p:cNvPr id="222" name="文本框 221"/>
+              <a:rPr lang="en-US" altLang="zh-CN" sz="1600" dirty="0" smtClean="0"/>
+              <a:t>c</a:t>
+            </a:r>
+            <a:r>
+              <a:rPr lang="en-US" altLang="zh-CN" sz="1600" baseline="-25000" dirty="0" smtClean="0"/>
+              <a:t>2</a:t>
+            </a:r>
+            <a:endParaRPr lang="zh-CN" altLang="en-US" sz="1600" baseline="-25000" dirty="0"/>
+          </a:p>
+        </p:txBody>
+      </p:sp>
+      <p:sp>
+        <p:nvSpPr>
+          <p:cNvPr id="225" name="文本框 224"/>
           <p:cNvSpPr txBox="1"/>
           <p:nvPr/>
         </p:nvSpPr>
         <p:spPr>
           <a:xfrm>
-            <a:off x="5679989" y="3923841"/>
-            <a:ext cx="482600" cy="400110"/>
+            <a:off x="2348320" y="1661072"/>
+            <a:ext cx="529947" cy="338554"/>
           </a:xfrm>
           <a:prstGeom prst="rect">
             <a:avLst/>
           </a:prstGeom>
           <a:noFill/>
+          <a:ln>
+            <a:noFill/>
+          </a:ln>
         </p:spPr>
         <p:txBody>
           <a:bodyPr wrap="square" rtlCol="0">
@@ -5073,31 +5020,32 @@
           <a:lstStyle/>
           <a:p>
             <a:r>
-              <a:rPr lang="en-US" altLang="zh-CN" sz="2000" dirty="0" smtClean="0"/>
-              <a:t> …</a:t>
-            </a:r>
-            <a:endParaRPr lang="zh-CN" altLang="en-US" sz="2000" dirty="0"/>
-          </a:p>
-        </p:txBody>
-      </p:sp>
-      <p:sp>
-        <p:nvSpPr>
-          <p:cNvPr id="224" name="文本框 223"/>
+              <a:rPr lang="en-US" altLang="zh-CN" sz="1600" dirty="0" smtClean="0"/>
+              <a:t>c</a:t>
+            </a:r>
+            <a:r>
+              <a:rPr lang="en-US" altLang="zh-CN" sz="1600" baseline="-25000" dirty="0"/>
+              <a:t>1</a:t>
+            </a:r>
+            <a:endParaRPr lang="zh-CN" altLang="en-US" sz="1600" baseline="-25000" dirty="0"/>
+          </a:p>
+        </p:txBody>
+      </p:sp>
+      <p:sp>
+        <p:nvSpPr>
+          <p:cNvPr id="226" name="文本框 225"/>
           <p:cNvSpPr txBox="1"/>
           <p:nvPr/>
         </p:nvSpPr>
         <p:spPr>
           <a:xfrm>
-            <a:off x="7583108" y="1671121"/>
-            <a:ext cx="529947" cy="338554"/>
+            <a:off x="6235923" y="1773220"/>
+            <a:ext cx="529947" cy="369332"/>
           </a:xfrm>
           <a:prstGeom prst="rect">
             <a:avLst/>
           </a:prstGeom>
           <a:noFill/>
-          <a:ln>
-            <a:noFill/>
-          </a:ln>
         </p:spPr>
         <p:txBody>
           <a:bodyPr wrap="square" rtlCol="0">
@@ -5106,77 +5054,6 @@
           <a:lstStyle/>
           <a:p>
             <a:r>
-              <a:rPr lang="en-US" altLang="zh-CN" sz="1600" dirty="0" smtClean="0"/>
-              <a:t>c</a:t>
-            </a:r>
-            <a:r>
-              <a:rPr lang="en-US" altLang="zh-CN" sz="1600" baseline="-25000" dirty="0" smtClean="0"/>
-              <a:t>2</a:t>
-            </a:r>
-            <a:endParaRPr lang="zh-CN" altLang="en-US" sz="1600" baseline="-25000" dirty="0"/>
-          </a:p>
-        </p:txBody>
-      </p:sp>
-      <p:sp>
-        <p:nvSpPr>
-          <p:cNvPr id="225" name="文本框 224"/>
-          <p:cNvSpPr txBox="1"/>
-          <p:nvPr/>
-        </p:nvSpPr>
-        <p:spPr>
-          <a:xfrm>
-            <a:off x="2242516" y="1727754"/>
-            <a:ext cx="529947" cy="338554"/>
-          </a:xfrm>
-          <a:prstGeom prst="rect">
-            <a:avLst/>
-          </a:prstGeom>
-          <a:noFill/>
-          <a:ln>
-            <a:noFill/>
-          </a:ln>
-        </p:spPr>
-        <p:txBody>
-          <a:bodyPr wrap="square" rtlCol="0">
-            <a:spAutoFit/>
-          </a:bodyPr>
-          <a:lstStyle/>
-          <a:p>
-            <a:r>
-              <a:rPr lang="en-US" altLang="zh-CN" sz="1600" dirty="0" smtClean="0"/>
-              <a:t>c</a:t>
-            </a:r>
-            <a:r>
-              <a:rPr lang="en-US" altLang="zh-CN" sz="1600" baseline="-25000" dirty="0"/>
-              <a:t>1</a:t>
-            </a:r>
-            <a:endParaRPr lang="zh-CN" altLang="en-US" sz="1600" baseline="-25000" dirty="0"/>
-          </a:p>
-        </p:txBody>
-      </p:sp>
-      <p:sp>
-        <p:nvSpPr>
-          <p:cNvPr id="226" name="文本框 225"/>
-          <p:cNvSpPr txBox="1"/>
-          <p:nvPr/>
-        </p:nvSpPr>
-        <p:spPr>
-          <a:xfrm>
-            <a:off x="6220959" y="1635909"/>
-            <a:ext cx="529947" cy="369332"/>
-          </a:xfrm>
-          <a:prstGeom prst="rect">
-            <a:avLst/>
-          </a:prstGeom>
-          <a:noFill/>
-        </p:spPr>
-        <p:txBody>
-          <a:bodyPr wrap="square" rtlCol="0">
-            <a:spAutoFit/>
-          </a:bodyPr>
-          <a:lstStyle/>
-          <a:p>
-            <a:r>
               <a:rPr lang="en-US" altLang="zh-CN" dirty="0" smtClean="0"/>
               <a:t>e</a:t>
             </a:r>
@@ -5196,7 +5073,7 @@
         </p:nvSpPr>
         <p:spPr>
           <a:xfrm>
-            <a:off x="3710002" y="1635909"/>
+            <a:off x="3675447" y="1830468"/>
             <a:ext cx="529947" cy="369332"/>
           </a:xfrm>
           <a:prstGeom prst="rect">

--- a/resources/mypaper.pptx
+++ b/resources/mypaper.pptx
@@ -255,7 +255,7 @@
           <a:p>
             <a:fld id="{CF4993DB-1284-461A-A2D5-97453C944B44}" type="datetimeFigureOut">
               <a:rPr lang="zh-CN" altLang="en-US" smtClean="0"/>
-              <a:t>2015/9/14</a:t>
+              <a:t>2015/9/15</a:t>
             </a:fld>
             <a:endParaRPr lang="zh-CN" altLang="en-US"/>
           </a:p>
@@ -425,7 +425,7 @@
           <a:p>
             <a:fld id="{CF4993DB-1284-461A-A2D5-97453C944B44}" type="datetimeFigureOut">
               <a:rPr lang="zh-CN" altLang="en-US" smtClean="0"/>
-              <a:t>2015/9/14</a:t>
+              <a:t>2015/9/15</a:t>
             </a:fld>
             <a:endParaRPr lang="zh-CN" altLang="en-US"/>
           </a:p>
@@ -605,7 +605,7 @@
           <a:p>
             <a:fld id="{CF4993DB-1284-461A-A2D5-97453C944B44}" type="datetimeFigureOut">
               <a:rPr lang="zh-CN" altLang="en-US" smtClean="0"/>
-              <a:t>2015/9/14</a:t>
+              <a:t>2015/9/15</a:t>
             </a:fld>
             <a:endParaRPr lang="zh-CN" altLang="en-US"/>
           </a:p>
@@ -775,7 +775,7 @@
           <a:p>
             <a:fld id="{CF4993DB-1284-461A-A2D5-97453C944B44}" type="datetimeFigureOut">
               <a:rPr lang="zh-CN" altLang="en-US" smtClean="0"/>
-              <a:t>2015/9/14</a:t>
+              <a:t>2015/9/15</a:t>
             </a:fld>
             <a:endParaRPr lang="zh-CN" altLang="en-US"/>
           </a:p>
@@ -1021,7 +1021,7 @@
           <a:p>
             <a:fld id="{CF4993DB-1284-461A-A2D5-97453C944B44}" type="datetimeFigureOut">
               <a:rPr lang="zh-CN" altLang="en-US" smtClean="0"/>
-              <a:t>2015/9/14</a:t>
+              <a:t>2015/9/15</a:t>
             </a:fld>
             <a:endParaRPr lang="zh-CN" altLang="en-US"/>
           </a:p>
@@ -1253,7 +1253,7 @@
           <a:p>
             <a:fld id="{CF4993DB-1284-461A-A2D5-97453C944B44}" type="datetimeFigureOut">
               <a:rPr lang="zh-CN" altLang="en-US" smtClean="0"/>
-              <a:t>2015/9/14</a:t>
+              <a:t>2015/9/15</a:t>
             </a:fld>
             <a:endParaRPr lang="zh-CN" altLang="en-US"/>
           </a:p>
@@ -1620,7 +1620,7 @@
           <a:p>
             <a:fld id="{CF4993DB-1284-461A-A2D5-97453C944B44}" type="datetimeFigureOut">
               <a:rPr lang="zh-CN" altLang="en-US" smtClean="0"/>
-              <a:t>2015/9/14</a:t>
+              <a:t>2015/9/15</a:t>
             </a:fld>
             <a:endParaRPr lang="zh-CN" altLang="en-US"/>
           </a:p>
@@ -1738,7 +1738,7 @@
           <a:p>
             <a:fld id="{CF4993DB-1284-461A-A2D5-97453C944B44}" type="datetimeFigureOut">
               <a:rPr lang="zh-CN" altLang="en-US" smtClean="0"/>
-              <a:t>2015/9/14</a:t>
+              <a:t>2015/9/15</a:t>
             </a:fld>
             <a:endParaRPr lang="zh-CN" altLang="en-US"/>
           </a:p>
@@ -1833,7 +1833,7 @@
           <a:p>
             <a:fld id="{CF4993DB-1284-461A-A2D5-97453C944B44}" type="datetimeFigureOut">
               <a:rPr lang="zh-CN" altLang="en-US" smtClean="0"/>
-              <a:t>2015/9/14</a:t>
+              <a:t>2015/9/15</a:t>
             </a:fld>
             <a:endParaRPr lang="zh-CN" altLang="en-US"/>
           </a:p>
@@ -2110,7 +2110,7 @@
           <a:p>
             <a:fld id="{CF4993DB-1284-461A-A2D5-97453C944B44}" type="datetimeFigureOut">
               <a:rPr lang="zh-CN" altLang="en-US" smtClean="0"/>
-              <a:t>2015/9/14</a:t>
+              <a:t>2015/9/15</a:t>
             </a:fld>
             <a:endParaRPr lang="zh-CN" altLang="en-US"/>
           </a:p>
@@ -2363,7 +2363,7 @@
           <a:p>
             <a:fld id="{CF4993DB-1284-461A-A2D5-97453C944B44}" type="datetimeFigureOut">
               <a:rPr lang="zh-CN" altLang="en-US" smtClean="0"/>
-              <a:t>2015/9/14</a:t>
+              <a:t>2015/9/15</a:t>
             </a:fld>
             <a:endParaRPr lang="zh-CN" altLang="en-US"/>
           </a:p>
@@ -2576,7 +2576,7 @@
           <a:p>
             <a:fld id="{CF4993DB-1284-461A-A2D5-97453C944B44}" type="datetimeFigureOut">
               <a:rPr lang="zh-CN" altLang="en-US" smtClean="0"/>
-              <a:t>2015/9/14</a:t>
+              <a:t>2015/9/15</a:t>
             </a:fld>
             <a:endParaRPr lang="zh-CN" altLang="en-US"/>
           </a:p>
@@ -9118,73 +9118,14 @@
       </p:grpSpPr>
       <p:sp>
         <p:nvSpPr>
-          <p:cNvPr id="66" name="矩形 65"/>
-          <p:cNvSpPr/>
-          <p:nvPr/>
-        </p:nvSpPr>
-        <p:spPr>
-          <a:xfrm>
-            <a:off x="2916465" y="5549770"/>
-            <a:ext cx="3955110" cy="857028"/>
-          </a:xfrm>
-          <a:prstGeom prst="rect">
-            <a:avLst/>
-          </a:prstGeom>
-          <a:solidFill>
-            <a:schemeClr val="bg1"/>
-          </a:solidFill>
-          <a:ln w="19050">
-            <a:solidFill>
-              <a:schemeClr val="bg1">
-                <a:lumMod val="50000"/>
-              </a:schemeClr>
-            </a:solidFill>
-            <a:prstDash val="lgDash"/>
-          </a:ln>
-          <a:effectLst/>
-        </p:spPr>
-        <p:style>
-          <a:lnRef idx="0">
-            <a:schemeClr val="accent1"/>
-          </a:lnRef>
-          <a:fillRef idx="3">
-            <a:schemeClr val="accent1"/>
-          </a:fillRef>
-          <a:effectRef idx="3">
-            <a:schemeClr val="accent1"/>
-          </a:effectRef>
-          <a:fontRef idx="minor">
-            <a:schemeClr val="lt1"/>
-          </a:fontRef>
-        </p:style>
-        <p:txBody>
-          <a:bodyPr rot="0" spcFirstLastPara="0" vertOverflow="overflow" horzOverflow="overflow" vert="horz" wrap="square" lIns="91440" tIns="45720" rIns="91440" bIns="45720" numCol="1" spcCol="0" rtlCol="0" fromWordArt="0" anchor="ctr" anchorCtr="0" forceAA="0" compatLnSpc="1">
-            <a:prstTxWarp prst="textNoShape">
-              <a:avLst/>
-            </a:prstTxWarp>
-            <a:noAutofit/>
-          </a:bodyPr>
-          <a:lstStyle/>
-          <a:p>
-            <a:pPr algn="ctr"/>
-            <a:endParaRPr lang="zh-CN" altLang="en-US" sz="2000" dirty="0" smtClean="0">
-              <a:solidFill>
-                <a:schemeClr val="tx1"/>
-              </a:solidFill>
-            </a:endParaRPr>
-          </a:p>
-        </p:txBody>
-      </p:sp>
-      <p:sp>
-        <p:nvSpPr>
           <p:cNvPr id="67" name="流程图: 磁盘 66"/>
           <p:cNvSpPr/>
           <p:nvPr/>
         </p:nvSpPr>
         <p:spPr>
           <a:xfrm>
-            <a:off x="4762123" y="5709315"/>
-            <a:ext cx="1126446" cy="579591"/>
+            <a:off x="3033873" y="5053680"/>
+            <a:ext cx="3015236" cy="651861"/>
           </a:xfrm>
           <a:prstGeom prst="flowChartMagneticDisk">
             <a:avLst/>
@@ -9220,14 +9161,14 @@
           <a:p>
             <a:pPr algn="ctr"/>
             <a:r>
-              <a:rPr lang="en-US" altLang="zh-CN" sz="2000" dirty="0" smtClean="0">
+              <a:rPr lang="en-US" altLang="zh-CN" sz="2800" dirty="0" smtClean="0">
                 <a:solidFill>
                   <a:schemeClr val="tx1"/>
                 </a:solidFill>
               </a:rPr>
               <a:t>DBpedia</a:t>
             </a:r>
-            <a:endParaRPr lang="zh-CN" altLang="en-US" sz="2000" dirty="0">
+            <a:endParaRPr lang="zh-CN" altLang="en-US" sz="2800" dirty="0">
               <a:solidFill>
                 <a:schemeClr val="tx1"/>
               </a:solidFill>
@@ -9237,14 +9178,14 @@
       </p:sp>
       <p:sp>
         <p:nvSpPr>
-          <p:cNvPr id="68" name="流程图: 磁盘 67"/>
+          <p:cNvPr id="73" name="流程图: 磁盘 72"/>
           <p:cNvSpPr/>
           <p:nvPr/>
         </p:nvSpPr>
         <p:spPr>
           <a:xfrm>
-            <a:off x="3175464" y="5680942"/>
-            <a:ext cx="875335" cy="607964"/>
+            <a:off x="6290268" y="5069314"/>
+            <a:ext cx="2137617" cy="636228"/>
           </a:xfrm>
           <a:prstGeom prst="flowChartMagneticDisk">
             <a:avLst/>
@@ -9280,14 +9221,14 @@
           <a:p>
             <a:pPr algn="ctr"/>
             <a:r>
-              <a:rPr lang="en-US" altLang="zh-CN" sz="2000" dirty="0">
-                <a:solidFill>
-                  <a:schemeClr val="tx1"/>
-                </a:solidFill>
-              </a:rPr>
-              <a:t>…</a:t>
-            </a:r>
-            <a:endParaRPr lang="zh-CN" altLang="en-US" sz="2000" dirty="0">
+              <a:rPr lang="en-US" altLang="zh-CN" sz="2800" dirty="0" smtClean="0">
+                <a:solidFill>
+                  <a:schemeClr val="tx1"/>
+                </a:solidFill>
+              </a:rPr>
+              <a:t>Probase</a:t>
+            </a:r>
+            <a:endParaRPr lang="zh-CN" altLang="en-US" sz="2800" dirty="0">
               <a:solidFill>
                 <a:schemeClr val="tx1"/>
               </a:solidFill>
@@ -9297,134 +9238,14 @@
       </p:sp>
       <p:sp>
         <p:nvSpPr>
-          <p:cNvPr id="72" name="矩形 71"/>
-          <p:cNvSpPr/>
-          <p:nvPr/>
-        </p:nvSpPr>
-        <p:spPr>
-          <a:xfrm>
-            <a:off x="4254472" y="5793618"/>
-            <a:ext cx="338876" cy="369332"/>
-          </a:xfrm>
-          <a:prstGeom prst="rect">
-            <a:avLst/>
-          </a:prstGeom>
-        </p:spPr>
-        <p:txBody>
-          <a:bodyPr wrap="square">
-            <a:spAutoFit/>
-          </a:bodyPr>
-          <a:lstStyle/>
-          <a:p>
-            <a:pPr algn="ctr"/>
-            <a:r>
-              <a:rPr lang="en-US" altLang="zh-CN" dirty="0"/>
-              <a:t>…</a:t>
-            </a:r>
-            <a:endParaRPr lang="zh-CN" altLang="en-US" dirty="0"/>
-          </a:p>
-        </p:txBody>
-      </p:sp>
-      <p:sp>
-        <p:nvSpPr>
-          <p:cNvPr id="73" name="流程图: 磁盘 72"/>
-          <p:cNvSpPr/>
-          <p:nvPr/>
-        </p:nvSpPr>
-        <p:spPr>
-          <a:xfrm>
-            <a:off x="6967187" y="5709315"/>
-            <a:ext cx="1157673" cy="705778"/>
-          </a:xfrm>
-          <a:prstGeom prst="flowChartMagneticDisk">
-            <a:avLst/>
-          </a:prstGeom>
-          <a:solidFill>
-            <a:schemeClr val="bg1"/>
-          </a:solidFill>
-          <a:ln w="12700">
-            <a:solidFill>
-              <a:schemeClr val="bg1">
-                <a:lumMod val="65000"/>
-              </a:schemeClr>
-            </a:solidFill>
-          </a:ln>
-        </p:spPr>
-        <p:style>
-          <a:lnRef idx="0">
-            <a:schemeClr val="accent1"/>
-          </a:lnRef>
-          <a:fillRef idx="3">
-            <a:schemeClr val="accent1"/>
-          </a:fillRef>
-          <a:effectRef idx="3">
-            <a:schemeClr val="accent1"/>
-          </a:effectRef>
-          <a:fontRef idx="minor">
-            <a:schemeClr val="lt1"/>
-          </a:fontRef>
-        </p:style>
-        <p:txBody>
-          <a:bodyPr rtlCol="0" anchor="ctr"/>
-          <a:lstStyle/>
-          <a:p>
-            <a:pPr algn="ctr"/>
-            <a:r>
-              <a:rPr lang="en-US" altLang="zh-CN" sz="2000" dirty="0" smtClean="0">
-                <a:solidFill>
-                  <a:schemeClr val="tx1"/>
-                </a:solidFill>
-              </a:rPr>
-              <a:t>Probase</a:t>
-            </a:r>
-            <a:endParaRPr lang="zh-CN" altLang="en-US" sz="2000" dirty="0">
-              <a:solidFill>
-                <a:schemeClr val="tx1"/>
-              </a:solidFill>
-            </a:endParaRPr>
-          </a:p>
-        </p:txBody>
-      </p:sp>
-      <p:sp>
-        <p:nvSpPr>
-          <p:cNvPr id="24" name="文本框 23"/>
-          <p:cNvSpPr txBox="1"/>
-          <p:nvPr/>
-        </p:nvSpPr>
-        <p:spPr>
-          <a:xfrm>
-            <a:off x="5888569" y="6073413"/>
-            <a:ext cx="1229756" cy="307777"/>
-          </a:xfrm>
-          <a:prstGeom prst="rect">
-            <a:avLst/>
-          </a:prstGeom>
-          <a:noFill/>
-        </p:spPr>
-        <p:txBody>
-          <a:bodyPr wrap="square" rtlCol="0">
-            <a:spAutoFit/>
-          </a:bodyPr>
-          <a:lstStyle/>
-          <a:p>
-            <a:r>
-              <a:rPr lang="en-US" altLang="zh-CN" sz="1400" dirty="0" smtClean="0"/>
-              <a:t>Relation KB</a:t>
-            </a:r>
-            <a:endParaRPr lang="zh-CN" altLang="en-US" sz="1400" dirty="0"/>
-          </a:p>
-        </p:txBody>
-      </p:sp>
-      <p:sp>
-        <p:nvSpPr>
           <p:cNvPr id="75" name="平行四边形 74"/>
           <p:cNvSpPr/>
           <p:nvPr/>
         </p:nvSpPr>
         <p:spPr>
           <a:xfrm>
-            <a:off x="4345245" y="4548060"/>
-            <a:ext cx="3639270" cy="465679"/>
+            <a:off x="4161183" y="4256627"/>
+            <a:ext cx="3405227" cy="465679"/>
           </a:xfrm>
           <a:prstGeom prst="parallelogram">
             <a:avLst/>
@@ -9461,14 +9282,14 @@
           <a:p>
             <a:pPr algn="ctr"/>
             <a:r>
-              <a:rPr lang="en-US" altLang="zh-CN" sz="2000" dirty="0" smtClean="0">
-                <a:solidFill>
-                  <a:schemeClr val="tx1"/>
-                </a:solidFill>
-              </a:rPr>
-              <a:t>Concept Relation Training</a:t>
-            </a:r>
-            <a:endParaRPr lang="zh-CN" altLang="en-US" sz="2000" dirty="0" smtClean="0">
+              <a:rPr lang="en-US" altLang="zh-CN" sz="2400" dirty="0" smtClean="0">
+                <a:solidFill>
+                  <a:schemeClr val="tx1"/>
+                </a:solidFill>
+              </a:rPr>
+              <a:t>CAC Pattern Training</a:t>
+            </a:r>
+            <a:endParaRPr lang="zh-CN" altLang="en-US" sz="2400" dirty="0" smtClean="0">
               <a:solidFill>
                 <a:schemeClr val="tx1"/>
               </a:solidFill>
@@ -9484,8 +9305,8 @@
         </p:nvSpPr>
         <p:spPr>
           <a:xfrm>
-            <a:off x="3658399" y="1393375"/>
-            <a:ext cx="3738281" cy="424366"/>
+            <a:off x="5366105" y="2122495"/>
+            <a:ext cx="3061779" cy="485902"/>
           </a:xfrm>
           <a:prstGeom prst="parallelogram">
             <a:avLst/>
@@ -9522,14 +9343,14 @@
           <a:p>
             <a:pPr algn="ctr"/>
             <a:r>
-              <a:rPr lang="en-US" altLang="zh-CN" sz="2000" dirty="0" smtClean="0">
+              <a:rPr lang="en-US" altLang="zh-CN" sz="2400" dirty="0" smtClean="0">
                 <a:solidFill>
                   <a:schemeClr val="tx1"/>
                 </a:solidFill>
               </a:rPr>
               <a:t>Conceptualization</a:t>
             </a:r>
-            <a:endParaRPr lang="zh-CN" altLang="en-US" sz="2000" dirty="0">
+            <a:endParaRPr lang="zh-CN" altLang="en-US" sz="2400" dirty="0">
               <a:solidFill>
                 <a:schemeClr val="tx1"/>
               </a:solidFill>
@@ -9537,99 +9358,6 @@
           </a:p>
         </p:txBody>
       </p:sp>
-      <p:sp>
-        <p:nvSpPr>
-          <p:cNvPr id="83" name="圆角矩形 82"/>
-          <p:cNvSpPr/>
-          <p:nvPr/>
-        </p:nvSpPr>
-        <p:spPr>
-          <a:xfrm>
-            <a:off x="2916466" y="197660"/>
-            <a:ext cx="5208394" cy="800100"/>
-          </a:xfrm>
-          <a:prstGeom prst="roundRect">
-            <a:avLst/>
-          </a:prstGeom>
-          <a:solidFill>
-            <a:schemeClr val="bg1"/>
-          </a:solidFill>
-          <a:ln>
-            <a:noFill/>
-          </a:ln>
-        </p:spPr>
-        <p:style>
-          <a:lnRef idx="0">
-            <a:schemeClr val="accent1"/>
-          </a:lnRef>
-          <a:fillRef idx="3">
-            <a:schemeClr val="accent1"/>
-          </a:fillRef>
-          <a:effectRef idx="3">
-            <a:schemeClr val="accent1"/>
-          </a:effectRef>
-          <a:fontRef idx="minor">
-            <a:schemeClr val="lt1"/>
-          </a:fontRef>
-        </p:style>
-        <p:txBody>
-          <a:bodyPr rot="0" spcFirstLastPara="0" vertOverflow="overflow" horzOverflow="overflow" vert="horz" wrap="square" lIns="91440" tIns="45720" rIns="91440" bIns="45720" numCol="1" spcCol="0" rtlCol="0" fromWordArt="0" anchor="ctr" anchorCtr="0" forceAA="0" compatLnSpc="1">
-            <a:prstTxWarp prst="textNoShape">
-              <a:avLst/>
-            </a:prstTxWarp>
-            <a:noAutofit/>
-          </a:bodyPr>
-          <a:lstStyle/>
-          <a:p>
-            <a:pPr algn="ctr"/>
-            <a:r>
-              <a:rPr lang="en-US" altLang="zh-CN" sz="2400" dirty="0" smtClean="0">
-                <a:solidFill>
-                  <a:schemeClr val="tx1"/>
-                </a:solidFill>
-              </a:rPr>
-              <a:t>Query Entity Pair &lt;e</a:t>
-            </a:r>
-            <a:r>
-              <a:rPr lang="en-US" altLang="zh-CN" sz="2400" baseline="-25000" dirty="0" smtClean="0">
-                <a:solidFill>
-                  <a:schemeClr val="tx1"/>
-                </a:solidFill>
-              </a:rPr>
-              <a:t>1</a:t>
-            </a:r>
-            <a:r>
-              <a:rPr lang="en-US" altLang="zh-CN" sz="2400" dirty="0" smtClean="0">
-                <a:solidFill>
-                  <a:schemeClr val="tx1"/>
-                </a:solidFill>
-              </a:rPr>
-              <a:t>,e</a:t>
-            </a:r>
-            <a:r>
-              <a:rPr lang="en-US" altLang="zh-CN" sz="2400" baseline="-25000" dirty="0" smtClean="0">
-                <a:solidFill>
-                  <a:schemeClr val="tx1"/>
-                </a:solidFill>
-              </a:rPr>
-              <a:t>2</a:t>
-            </a:r>
-            <a:r>
-              <a:rPr lang="en-US" altLang="zh-CN" sz="2400" dirty="0" smtClean="0">
-                <a:solidFill>
-                  <a:schemeClr val="tx1"/>
-                </a:solidFill>
-              </a:rPr>
-              <a:t>&gt;</a:t>
-            </a:r>
-            <a:endParaRPr lang="zh-CN" altLang="en-US" sz="2400" dirty="0" smtClean="0">
-              <a:solidFill>
-                <a:schemeClr val="tx1"/>
-              </a:solidFill>
-            </a:endParaRPr>
-          </a:p>
-        </p:txBody>
-      </p:sp>
       <p:cxnSp>
         <p:nvCxnSpPr>
           <p:cNvPr id="84" name="直接连接符 83"/>
@@ -9648,84 +9376,6 @@
             <a:prstDash val="dashDot"/>
             <a:headEnd type="none" w="med" len="med"/>
             <a:tailEnd type="none" w="med" len="med"/>
-          </a:ln>
-        </p:spPr>
-        <p:style>
-          <a:lnRef idx="3">
-            <a:schemeClr val="accent3"/>
-          </a:lnRef>
-          <a:fillRef idx="0">
-            <a:schemeClr val="accent3"/>
-          </a:fillRef>
-          <a:effectRef idx="2">
-            <a:schemeClr val="accent3"/>
-          </a:effectRef>
-          <a:fontRef idx="minor">
-            <a:schemeClr val="tx1"/>
-          </a:fontRef>
-        </p:style>
-      </p:cxnSp>
-      <p:cxnSp>
-        <p:nvCxnSpPr>
-          <p:cNvPr id="86" name="肘形连接符 85"/>
-          <p:cNvCxnSpPr>
-            <a:stCxn id="73" idx="4"/>
-            <a:endCxn id="75" idx="2"/>
-          </p:cNvCxnSpPr>
-          <p:nvPr/>
-        </p:nvCxnSpPr>
-        <p:spPr>
-          <a:xfrm flipH="1" flipV="1">
-            <a:off x="7926305" y="4780900"/>
-            <a:ext cx="198555" cy="1281304"/>
-          </a:xfrm>
-          <a:prstGeom prst="bentConnector3">
-            <a:avLst>
-              <a:gd name="adj1" fmla="val -119691"/>
-            </a:avLst>
-          </a:prstGeom>
-          <a:ln w="28575">
-            <a:prstDash val="sysDash"/>
-            <a:tailEnd type="triangle"/>
-          </a:ln>
-        </p:spPr>
-        <p:style>
-          <a:lnRef idx="3">
-            <a:schemeClr val="accent3"/>
-          </a:lnRef>
-          <a:fillRef idx="0">
-            <a:schemeClr val="accent3"/>
-          </a:fillRef>
-          <a:effectRef idx="2">
-            <a:schemeClr val="accent3"/>
-          </a:effectRef>
-          <a:fontRef idx="minor">
-            <a:schemeClr val="tx1"/>
-          </a:fontRef>
-        </p:style>
-      </p:cxnSp>
-      <p:cxnSp>
-        <p:nvCxnSpPr>
-          <p:cNvPr id="95" name="肘形连接符 94"/>
-          <p:cNvCxnSpPr>
-            <a:stCxn id="73" idx="4"/>
-            <a:endCxn id="80" idx="2"/>
-          </p:cNvCxnSpPr>
-          <p:nvPr/>
-        </p:nvCxnSpPr>
-        <p:spPr>
-          <a:xfrm flipH="1" flipV="1">
-            <a:off x="7343634" y="1605558"/>
-            <a:ext cx="781226" cy="4456646"/>
-          </a:xfrm>
-          <a:prstGeom prst="bentConnector3">
-            <a:avLst>
-              <a:gd name="adj1" fmla="val -29262"/>
-            </a:avLst>
-          </a:prstGeom>
-          <a:ln w="28575">
-            <a:prstDash val="sysDash"/>
-            <a:tailEnd type="triangle"/>
           </a:ln>
         </p:spPr>
         <p:style>
@@ -9753,8 +9403,8 @@
             </p:nvSpPr>
             <p:spPr>
               <a:xfrm>
-                <a:off x="4314224" y="3442689"/>
-                <a:ext cx="2137734" cy="482133"/>
+                <a:off x="4620796" y="3341042"/>
+                <a:ext cx="2302518" cy="482133"/>
               </a:xfrm>
               <a:prstGeom prst="roundRect">
                 <a:avLst/>
@@ -9797,7 +9447,7 @@
                     </m:oMathParaPr>
                     <m:oMath xmlns:m="http://schemas.openxmlformats.org/officeDocument/2006/math">
                       <m:r>
-                        <a:rPr lang="en-US" altLang="zh-CN" i="1" dirty="0" smtClean="0">
+                        <a:rPr lang="en-US" altLang="zh-CN" sz="2400" i="1" dirty="0" smtClean="0">
                           <a:solidFill>
                             <a:schemeClr val="tx1"/>
                           </a:solidFill>
@@ -9806,7 +9456,7 @@
                         <m:t>𝑃</m:t>
                       </m:r>
                       <m:r>
-                        <a:rPr lang="en-US" altLang="zh-CN" i="1" dirty="0" smtClean="0">
+                        <a:rPr lang="en-US" altLang="zh-CN" sz="2400" i="1" dirty="0" smtClean="0">
                           <a:solidFill>
                             <a:schemeClr val="tx1"/>
                           </a:solidFill>
@@ -9815,7 +9465,7 @@
                         <m:t>(&lt;</m:t>
                       </m:r>
                       <m:r>
-                        <a:rPr lang="en-US" altLang="zh-CN" i="1" dirty="0" smtClean="0">
+                        <a:rPr lang="en-US" altLang="zh-CN" sz="2400" i="1" dirty="0" smtClean="0">
                           <a:solidFill>
                             <a:schemeClr val="tx1"/>
                           </a:solidFill>
@@ -9824,7 +9474,7 @@
                         <m:t>𝑐</m:t>
                       </m:r>
                       <m:r>
-                        <a:rPr lang="en-US" altLang="zh-CN" i="1" baseline="-25000" dirty="0" smtClean="0">
+                        <a:rPr lang="en-US" altLang="zh-CN" sz="2400" i="1" baseline="-25000" dirty="0" smtClean="0">
                           <a:solidFill>
                             <a:schemeClr val="tx1"/>
                           </a:solidFill>
@@ -9833,7 +9483,7 @@
                         <m:t>1</m:t>
                       </m:r>
                       <m:r>
-                        <a:rPr lang="en-US" altLang="zh-CN" i="1" dirty="0" smtClean="0">
+                        <a:rPr lang="en-US" altLang="zh-CN" sz="2400" i="1" dirty="0" smtClean="0">
                           <a:solidFill>
                             <a:schemeClr val="tx1"/>
                           </a:solidFill>
@@ -9842,7 +9492,7 @@
                         <m:t>,</m:t>
                       </m:r>
                       <m:r>
-                        <a:rPr lang="en-US" altLang="zh-CN" i="1" dirty="0" smtClean="0">
+                        <a:rPr lang="en-US" altLang="zh-CN" sz="2400" i="1" dirty="0" smtClean="0">
                           <a:solidFill>
                             <a:schemeClr val="tx1"/>
                           </a:solidFill>
@@ -9851,7 +9501,7 @@
                         <m:t>𝑐</m:t>
                       </m:r>
                       <m:r>
-                        <a:rPr lang="en-US" altLang="zh-CN" i="1" baseline="-25000" dirty="0" smtClean="0">
+                        <a:rPr lang="en-US" altLang="zh-CN" sz="2400" i="1" baseline="-25000" dirty="0" smtClean="0">
                           <a:solidFill>
                             <a:schemeClr val="tx1"/>
                           </a:solidFill>
@@ -9860,7 +9510,7 @@
                         <m:t>2</m:t>
                       </m:r>
                       <m:r>
-                        <a:rPr lang="en-US" altLang="zh-CN" i="1" dirty="0" smtClean="0">
+                        <a:rPr lang="en-US" altLang="zh-CN" sz="2400" i="1" dirty="0" smtClean="0">
                           <a:solidFill>
                             <a:schemeClr val="tx1"/>
                           </a:solidFill>
@@ -9869,7 +9519,7 @@
                         <m:t>&gt;|</m:t>
                       </m:r>
                       <m:r>
-                        <a:rPr lang="en-US" altLang="zh-CN" i="1" dirty="0" smtClean="0">
+                        <a:rPr lang="en-US" altLang="zh-CN" sz="2400" i="1" dirty="0" smtClean="0">
                           <a:solidFill>
                             <a:schemeClr val="tx1"/>
                           </a:solidFill>
@@ -9878,7 +9528,7 @@
                         <m:t>𝑎</m:t>
                       </m:r>
                       <m:r>
-                        <a:rPr lang="en-US" altLang="zh-CN" i="1" dirty="0" smtClean="0">
+                        <a:rPr lang="en-US" altLang="zh-CN" sz="2400" i="1" dirty="0" smtClean="0">
                           <a:solidFill>
                             <a:schemeClr val="tx1"/>
                           </a:solidFill>
@@ -9889,7 +9539,7 @@
                     </m:oMath>
                   </m:oMathPara>
                 </a14:m>
-                <a:endParaRPr lang="zh-CN" altLang="en-US" dirty="0" err="1" smtClean="0">
+                <a:endParaRPr lang="zh-CN" altLang="en-US" sz="2400" dirty="0" err="1" smtClean="0">
                   <a:solidFill>
                     <a:schemeClr val="tx1"/>
                   </a:solidFill>
@@ -9909,8 +9559,8 @@
             </p:nvSpPr>
             <p:spPr>
               <a:xfrm>
-                <a:off x="4314224" y="3442689"/>
-                <a:ext cx="2137734" cy="482133"/>
+                <a:off x="4620796" y="3341042"/>
+                <a:ext cx="2302518" cy="482133"/>
               </a:xfrm>
               <a:prstGeom prst="roundRect">
                 <a:avLst/>
@@ -9940,8 +9590,8 @@
           </p:sp>
         </mc:Fallback>
       </mc:AlternateContent>
-      <mc:AlternateContent xmlns:mc="http://schemas.openxmlformats.org/markup-compatibility/2006" xmlns:a14="http://schemas.microsoft.com/office/drawing/2010/main">
-        <mc:Choice Requires="a14">
+      <mc:AlternateContent xmlns:mc="http://schemas.openxmlformats.org/markup-compatibility/2006">
+        <mc:Choice xmlns:a14="http://schemas.microsoft.com/office/drawing/2010/main" Requires="a14">
           <p:sp>
             <p:nvSpPr>
               <p:cNvPr id="99" name="圆角矩形 98"/>
@@ -9950,8 +9600,8 @@
             </p:nvSpPr>
             <p:spPr>
               <a:xfrm>
-                <a:off x="2646197" y="2212172"/>
-                <a:ext cx="5478663" cy="508761"/>
+                <a:off x="2891247" y="1258803"/>
+                <a:ext cx="5536640" cy="508761"/>
               </a:xfrm>
               <a:prstGeom prst="roundRect">
                 <a:avLst/>
@@ -9996,7 +9646,7 @@
                       <m:func>
                         <m:funcPr>
                           <m:ctrlPr>
-                            <a:rPr lang="en-US" altLang="zh-CN" i="1" dirty="0" smtClean="0">
+                            <a:rPr lang="en-US" altLang="zh-CN" sz="2000" b="1" i="1" dirty="0" smtClean="0">
                               <a:solidFill>
                                 <a:schemeClr val="tx1"/>
                               </a:solidFill>
@@ -10008,7 +9658,7 @@
                           <m:limLow>
                             <m:limLowPr>
                               <m:ctrlPr>
-                                <a:rPr lang="en-US" altLang="zh-CN" i="1" dirty="0" smtClean="0">
+                                <a:rPr lang="en-US" altLang="zh-CN" sz="2000" b="1" i="1" dirty="0" smtClean="0">
                                   <a:solidFill>
                                     <a:schemeClr val="tx1"/>
                                   </a:solidFill>
@@ -10018,19 +9668,16 @@
                             </m:limLowPr>
                             <m:e>
                               <m:r>
-                                <m:rPr>
-                                  <m:sty m:val="p"/>
-                                </m:rPr>
-                                <a:rPr lang="en-US" altLang="zh-CN" i="1" dirty="0">
+                                <a:rPr lang="en-US" altLang="zh-CN" sz="2000" b="1" i="1" dirty="0">
                                   <a:solidFill>
                                     <a:schemeClr val="tx1"/>
                                   </a:solidFill>
                                   <a:latin typeface="Cambria Math" panose="02040503050406030204" pitchFamily="18" charset="0"/>
                                 </a:rPr>
-                                <m:t>arg</m:t>
+                                <m:t>𝒂𝒓𝒈</m:t>
                               </m:r>
                               <m:r>
-                                <a:rPr lang="en-US" altLang="zh-CN" b="0" i="1" dirty="0" smtClean="0">
+                                <a:rPr lang="en-US" altLang="zh-CN" sz="2000" b="1" i="1" dirty="0" smtClean="0">
                                   <a:solidFill>
                                     <a:schemeClr val="tx1"/>
                                   </a:solidFill>
@@ -10039,46 +9686,76 @@
                                 <m:t> </m:t>
                               </m:r>
                               <m:r>
-                                <m:rPr>
-                                  <m:sty m:val="p"/>
-                                </m:rPr>
-                                <a:rPr lang="en-US" altLang="zh-CN" i="0" dirty="0" smtClean="0">
+                                <a:rPr lang="en-US" altLang="zh-CN" sz="2000" b="1" i="0" dirty="0" smtClean="0">
                                   <a:solidFill>
                                     <a:schemeClr val="tx1"/>
                                   </a:solidFill>
                                   <a:latin typeface="Cambria Math" panose="02040503050406030204" pitchFamily="18" charset="0"/>
                                 </a:rPr>
-                                <m:t>max</m:t>
+                                <m:t>𝐦𝐚𝐱</m:t>
                               </m:r>
                             </m:e>
                             <m:lim>
                               <m:r>
-                                <m:rPr>
-                                  <m:sty m:val="p"/>
-                                </m:rPr>
-                                <a:rPr lang="en-US" altLang="zh-CN" i="1" dirty="0">
+                                <a:rPr lang="en-US" altLang="zh-CN" sz="2000" b="1" i="1" dirty="0">
                                   <a:solidFill>
                                     <a:schemeClr val="tx1"/>
                                   </a:solidFill>
                                   <a:latin typeface="Cambria Math" panose="02040503050406030204" pitchFamily="18" charset="0"/>
                                 </a:rPr>
-                                <m:t>a</m:t>
+                                <m:t>𝒂</m:t>
                               </m:r>
                             </m:lim>
                           </m:limLow>
                         </m:fName>
                         <m:e>
                           <m:r>
-                            <a:rPr lang="en-US" altLang="zh-CN" i="1" dirty="0">
+                            <a:rPr lang="en-US" altLang="zh-CN" sz="2000" b="1" i="1" dirty="0">
                               <a:solidFill>
                                 <a:schemeClr val="tx1"/>
                               </a:solidFill>
                               <a:latin typeface="Cambria Math" panose="02040503050406030204" pitchFamily="18" charset="0"/>
                             </a:rPr>
-                            <m:t>𝑃</m:t>
+                            <m:t>𝑷</m:t>
                           </m:r>
                           <m:r>
-                            <a:rPr lang="en-US" altLang="zh-CN" i="1" dirty="0">
+                            <a:rPr lang="en-US" altLang="zh-CN" sz="2000" b="1" i="1" dirty="0">
+                              <a:solidFill>
+                                <a:schemeClr val="tx1"/>
+                              </a:solidFill>
+                              <a:latin typeface="Cambria Math" panose="02040503050406030204" pitchFamily="18" charset="0"/>
+                            </a:rPr>
+                            <m:t>(</m:t>
+                          </m:r>
+                          <m:r>
+                            <a:rPr lang="en-US" altLang="zh-CN" sz="2000" b="1" i="1" dirty="0">
+                              <a:solidFill>
+                                <a:schemeClr val="tx1"/>
+                              </a:solidFill>
+                              <a:latin typeface="Cambria Math" panose="02040503050406030204" pitchFamily="18" charset="0"/>
+                            </a:rPr>
+                            <m:t>𝒂</m:t>
+                          </m:r>
+                          <m:r>
+                            <a:rPr lang="en-US" altLang="zh-CN" sz="2000" b="1" i="1" dirty="0">
+                              <a:solidFill>
+                                <a:schemeClr val="tx1"/>
+                              </a:solidFill>
+                              <a:latin typeface="Cambria Math" panose="02040503050406030204" pitchFamily="18" charset="0"/>
+                            </a:rPr>
+                            <m:t>)</m:t>
+                          </m:r>
+                          <m:r>
+                            <a:rPr lang="en-US" altLang="zh-CN" sz="2000" b="1" i="1" dirty="0">
+                              <a:solidFill>
+                                <a:schemeClr val="tx1"/>
+                              </a:solidFill>
+                              <a:latin typeface="Cambria Math" panose="02040503050406030204" pitchFamily="18" charset="0"/>
+                            </a:rPr>
+                            <m:t>𝑷</m:t>
+                          </m:r>
+                          <m:r>
+                            <a:rPr lang="en-US" altLang="zh-CN" sz="2000" b="1" i="1" dirty="0">
                               <a:solidFill>
                                 <a:schemeClr val="tx1"/>
                               </a:solidFill>
@@ -10087,25 +9764,25 @@
                             <m:t>(&lt;</m:t>
                           </m:r>
                           <m:r>
-                            <a:rPr lang="en-US" altLang="zh-CN" i="1" dirty="0">
+                            <a:rPr lang="en-US" altLang="zh-CN" sz="2000" b="1" i="1" dirty="0">
                               <a:solidFill>
                                 <a:schemeClr val="tx1"/>
                               </a:solidFill>
                               <a:latin typeface="Cambria Math" panose="02040503050406030204" pitchFamily="18" charset="0"/>
                             </a:rPr>
-                            <m:t>𝑐</m:t>
+                            <m:t>𝒄</m:t>
                           </m:r>
                           <m:r>
-                            <a:rPr lang="en-US" altLang="zh-CN" i="1" baseline="-25000" dirty="0">
+                            <a:rPr lang="en-US" altLang="zh-CN" sz="2000" b="1" i="1" baseline="-25000" dirty="0">
                               <a:solidFill>
                                 <a:schemeClr val="tx1"/>
                               </a:solidFill>
                               <a:latin typeface="Cambria Math" panose="02040503050406030204" pitchFamily="18" charset="0"/>
                             </a:rPr>
-                            <m:t>1</m:t>
+                            <m:t>𝟏</m:t>
                           </m:r>
                           <m:r>
-                            <a:rPr lang="en-US" altLang="zh-CN" i="1" dirty="0">
+                            <a:rPr lang="en-US" altLang="zh-CN" sz="2000" b="1" i="1" dirty="0">
                               <a:solidFill>
                                 <a:schemeClr val="tx1"/>
                               </a:solidFill>
@@ -10114,25 +9791,25 @@
                             <m:t>,</m:t>
                           </m:r>
                           <m:r>
-                            <a:rPr lang="en-US" altLang="zh-CN" i="1" dirty="0">
+                            <a:rPr lang="en-US" altLang="zh-CN" sz="2000" b="1" i="1" dirty="0">
                               <a:solidFill>
                                 <a:schemeClr val="tx1"/>
                               </a:solidFill>
                               <a:latin typeface="Cambria Math" panose="02040503050406030204" pitchFamily="18" charset="0"/>
                             </a:rPr>
-                            <m:t>𝑐</m:t>
+                            <m:t>𝒄</m:t>
                           </m:r>
                           <m:r>
-                            <a:rPr lang="en-US" altLang="zh-CN" i="1" baseline="-25000" dirty="0">
+                            <a:rPr lang="en-US" altLang="zh-CN" sz="2000" b="1" i="1" baseline="-25000" dirty="0">
                               <a:solidFill>
                                 <a:schemeClr val="tx1"/>
                               </a:solidFill>
                               <a:latin typeface="Cambria Math" panose="02040503050406030204" pitchFamily="18" charset="0"/>
                             </a:rPr>
-                            <m:t>2</m:t>
+                            <m:t>𝟐</m:t>
                           </m:r>
                           <m:r>
-                            <a:rPr lang="en-US" altLang="zh-CN" i="1" dirty="0">
+                            <a:rPr lang="en-US" altLang="zh-CN" sz="2000" b="1" i="1" dirty="0">
                               <a:solidFill>
                                 <a:schemeClr val="tx1"/>
                               </a:solidFill>
@@ -10141,16 +9818,16 @@
                             <m:t>&gt;|</m:t>
                           </m:r>
                           <m:r>
-                            <a:rPr lang="en-US" altLang="zh-CN" i="1" dirty="0">
+                            <a:rPr lang="en-US" altLang="zh-CN" sz="2000" b="1" i="1" dirty="0">
                               <a:solidFill>
                                 <a:schemeClr val="tx1"/>
                               </a:solidFill>
                               <a:latin typeface="Cambria Math" panose="02040503050406030204" pitchFamily="18" charset="0"/>
                             </a:rPr>
-                            <m:t>𝑎</m:t>
+                            <m:t>𝒂</m:t>
                           </m:r>
                           <m:r>
-                            <a:rPr lang="en-US" altLang="zh-CN" i="1" dirty="0">
+                            <a:rPr lang="en-US" altLang="zh-CN" sz="2000" b="1" i="1" dirty="0">
                               <a:solidFill>
                                 <a:schemeClr val="tx1"/>
                               </a:solidFill>
@@ -10159,16 +9836,16 @@
                             <m:t>)</m:t>
                           </m:r>
                           <m:r>
-                            <a:rPr lang="en-US" altLang="zh-CN" i="1" dirty="0">
+                            <a:rPr lang="en-US" altLang="zh-CN" sz="2000" b="1" i="1" dirty="0">
                               <a:solidFill>
                                 <a:schemeClr val="tx1"/>
                               </a:solidFill>
                               <a:latin typeface="Cambria Math" panose="02040503050406030204" pitchFamily="18" charset="0"/>
                             </a:rPr>
-                            <m:t>𝑃</m:t>
+                            <m:t>𝑷</m:t>
                           </m:r>
                           <m:r>
-                            <a:rPr lang="en-US" altLang="zh-CN" i="1" dirty="0">
+                            <a:rPr lang="en-US" altLang="zh-CN" sz="2000" b="1" i="1" dirty="0">
                               <a:solidFill>
                                 <a:schemeClr val="tx1"/>
                               </a:solidFill>
@@ -10177,34 +9854,70 @@
                             <m:t>(</m:t>
                           </m:r>
                           <m:r>
-                            <a:rPr lang="en-US" altLang="zh-CN" i="1" dirty="0">
+                            <a:rPr lang="en-US" altLang="zh-CN" sz="2000" b="1" i="1" dirty="0">
                               <a:solidFill>
                                 <a:schemeClr val="tx1"/>
                               </a:solidFill>
                               <a:latin typeface="Cambria Math" panose="02040503050406030204" pitchFamily="18" charset="0"/>
                             </a:rPr>
-                            <m:t>𝑎</m:t>
+                            <m:t>𝒄</m:t>
                           </m:r>
                           <m:r>
-                            <a:rPr lang="en-US" altLang="zh-CN" i="1" dirty="0">
+                            <a:rPr lang="en-US" altLang="zh-CN" sz="2000" b="1" i="1" baseline="-25000" dirty="0">
                               <a:solidFill>
                                 <a:schemeClr val="tx1"/>
                               </a:solidFill>
                               <a:latin typeface="Cambria Math" panose="02040503050406030204" pitchFamily="18" charset="0"/>
                             </a:rPr>
-                            <m:t>)</m:t>
+                            <m:t>𝟏</m:t>
                           </m:r>
                           <m:r>
-                            <a:rPr lang="en-US" altLang="zh-CN" i="1" dirty="0">
+                            <a:rPr lang="en-US" altLang="zh-CN" sz="2000" b="1" i="1" dirty="0">
                               <a:solidFill>
                                 <a:schemeClr val="tx1"/>
                               </a:solidFill>
                               <a:latin typeface="Cambria Math" panose="02040503050406030204" pitchFamily="18" charset="0"/>
                             </a:rPr>
-                            <m:t>𝛼</m:t>
+                            <m:t>|</m:t>
                           </m:r>
                           <m:r>
-                            <a:rPr lang="en-US" altLang="zh-CN" i="1" dirty="0">
+                            <a:rPr lang="en-US" altLang="zh-CN" sz="2000" b="1" i="1" dirty="0">
+                              <a:solidFill>
+                                <a:schemeClr val="tx1"/>
+                              </a:solidFill>
+                              <a:latin typeface="Cambria Math" panose="02040503050406030204" pitchFamily="18" charset="0"/>
+                            </a:rPr>
+                            <m:t>𝒆</m:t>
+                          </m:r>
+                          <m:r>
+                            <a:rPr lang="en-US" altLang="zh-CN" sz="2000" b="1" i="1" baseline="-25000" dirty="0">
+                              <a:solidFill>
+                                <a:schemeClr val="tx1"/>
+                              </a:solidFill>
+                              <a:latin typeface="Cambria Math" panose="02040503050406030204" pitchFamily="18" charset="0"/>
+                            </a:rPr>
+                            <m:t>𝟏</m:t>
+                          </m:r>
+                          <m:r>
+                            <a:rPr lang="en-US" altLang="zh-CN" sz="2000" b="1" i="1" dirty="0">
+                              <a:solidFill>
+                                <a:schemeClr val="tx1"/>
+                              </a:solidFill>
+                              <a:latin typeface="Cambria Math" panose="02040503050406030204" pitchFamily="18" charset="0"/>
+                            </a:rPr>
+                            <m:t>) </m:t>
+                          </m:r>
+                          <m:r>
+                            <a:rPr lang="en-US" altLang="zh-CN" sz="2000" b="1" i="1" dirty="0">
+                              <a:solidFill>
+                                <a:schemeClr val="tx1"/>
+                              </a:solidFill>
+                              <a:latin typeface="Cambria Math" panose="02040503050406030204" pitchFamily="18" charset="0"/>
+                            </a:rPr>
+                            <m:t>𝑷</m:t>
+                          </m:r>
+                          <m:r>
+                            <a:rPr lang="en-US" altLang="zh-CN" sz="2000" b="1" i="1" dirty="0">
                               <a:solidFill>
                                 <a:schemeClr val="tx1"/>
                               </a:solidFill>
@@ -10213,97 +9926,25 @@
                             <m:t>(</m:t>
                           </m:r>
                           <m:r>
-                            <a:rPr lang="en-US" altLang="zh-CN" i="1" dirty="0">
+                            <a:rPr lang="en-US" altLang="zh-CN" sz="2000" b="1" i="1" dirty="0">
                               <a:solidFill>
                                 <a:schemeClr val="tx1"/>
                               </a:solidFill>
                               <a:latin typeface="Cambria Math" panose="02040503050406030204" pitchFamily="18" charset="0"/>
                             </a:rPr>
-                            <m:t>𝑐</m:t>
+                            <m:t>𝒄</m:t>
                           </m:r>
                           <m:r>
-                            <a:rPr lang="en-US" altLang="zh-CN" i="1" baseline="-25000" dirty="0">
+                            <a:rPr lang="en-US" altLang="zh-CN" sz="2000" b="1" i="1" baseline="-25000" dirty="0">
                               <a:solidFill>
                                 <a:schemeClr val="tx1"/>
                               </a:solidFill>
                               <a:latin typeface="Cambria Math" panose="02040503050406030204" pitchFamily="18" charset="0"/>
                             </a:rPr>
-                            <m:t>1</m:t>
+                            <m:t>𝟐</m:t>
                           </m:r>
                           <m:r>
-                            <a:rPr lang="en-US" altLang="zh-CN" i="1" dirty="0">
-                              <a:solidFill>
-                                <a:schemeClr val="tx1"/>
-                              </a:solidFill>
-                              <a:latin typeface="Cambria Math" panose="02040503050406030204" pitchFamily="18" charset="0"/>
-                            </a:rPr>
-                            <m:t>,</m:t>
-                          </m:r>
-                          <m:r>
-                            <a:rPr lang="en-US" altLang="zh-CN" i="1" dirty="0">
-                              <a:solidFill>
-                                <a:schemeClr val="tx1"/>
-                              </a:solidFill>
-                              <a:latin typeface="Cambria Math" panose="02040503050406030204" pitchFamily="18" charset="0"/>
-                            </a:rPr>
-                            <m:t>𝑐</m:t>
-                          </m:r>
-                          <m:r>
-                            <a:rPr lang="en-US" altLang="zh-CN" i="1" baseline="-25000" dirty="0">
-                              <a:solidFill>
-                                <a:schemeClr val="tx1"/>
-                              </a:solidFill>
-                              <a:latin typeface="Cambria Math" panose="02040503050406030204" pitchFamily="18" charset="0"/>
-                            </a:rPr>
-                            <m:t>2</m:t>
-                          </m:r>
-                          <m:r>
-                            <a:rPr lang="en-US" altLang="zh-CN" i="1" dirty="0">
-                              <a:solidFill>
-                                <a:schemeClr val="tx1"/>
-                              </a:solidFill>
-                              <a:latin typeface="Cambria Math" panose="02040503050406030204" pitchFamily="18" charset="0"/>
-                            </a:rPr>
-                            <m:t>)</m:t>
-                          </m:r>
-                          <m:r>
-                            <a:rPr lang="en-US" altLang="zh-CN" i="1" dirty="0">
-                              <a:solidFill>
-                                <a:schemeClr val="tx1"/>
-                              </a:solidFill>
-                              <a:latin typeface="Cambria Math" panose="02040503050406030204" pitchFamily="18" charset="0"/>
-                            </a:rPr>
-                            <m:t>𝑃</m:t>
-                          </m:r>
-                          <m:r>
-                            <a:rPr lang="en-US" altLang="zh-CN" i="1" dirty="0">
-                              <a:solidFill>
-                                <a:schemeClr val="tx1"/>
-                              </a:solidFill>
-                              <a:latin typeface="Cambria Math" panose="02040503050406030204" pitchFamily="18" charset="0"/>
-                            </a:rPr>
-                            <m:t>(</m:t>
-                          </m:r>
-                          <m:r>
-                            <a:rPr lang="en-US" altLang="zh-CN" i="1" dirty="0">
-                              <a:solidFill>
-                                <a:schemeClr val="tx1"/>
-                              </a:solidFill>
-                              <a:latin typeface="Cambria Math" panose="02040503050406030204" pitchFamily="18" charset="0"/>
-                            </a:rPr>
-                            <m:t>𝑐</m:t>
-                          </m:r>
-                          <m:r>
-                            <a:rPr lang="en-US" altLang="zh-CN" i="1" baseline="-25000" dirty="0">
-                              <a:solidFill>
-                                <a:schemeClr val="tx1"/>
-                              </a:solidFill>
-                              <a:latin typeface="Cambria Math" panose="02040503050406030204" pitchFamily="18" charset="0"/>
-                            </a:rPr>
-                            <m:t>1</m:t>
-                          </m:r>
-                          <m:r>
-                            <a:rPr lang="en-US" altLang="zh-CN" i="1" dirty="0">
+                            <a:rPr lang="en-US" altLang="zh-CN" sz="2000" b="1" i="1" dirty="0">
                               <a:solidFill>
                                 <a:schemeClr val="tx1"/>
                               </a:solidFill>
@@ -10312,97 +9953,25 @@
                             <m:t>|</m:t>
                           </m:r>
                           <m:r>
-                            <a:rPr lang="en-US" altLang="zh-CN" i="1" dirty="0">
+                            <a:rPr lang="en-US" altLang="zh-CN" sz="2000" b="1" i="1" dirty="0">
                               <a:solidFill>
                                 <a:schemeClr val="tx1"/>
                               </a:solidFill>
                               <a:latin typeface="Cambria Math" panose="02040503050406030204" pitchFamily="18" charset="0"/>
                             </a:rPr>
-                            <m:t>𝑒</m:t>
+                            <m:t>𝒆</m:t>
                           </m:r>
                           <m:r>
-                            <a:rPr lang="en-US" altLang="zh-CN" i="1" baseline="-25000" dirty="0">
+                            <a:rPr lang="en-US" altLang="zh-CN" sz="2000" b="1" i="1" baseline="-25000" dirty="0">
                               <a:solidFill>
                                 <a:schemeClr val="tx1"/>
                               </a:solidFill>
                               <a:latin typeface="Cambria Math" panose="02040503050406030204" pitchFamily="18" charset="0"/>
                             </a:rPr>
-                            <m:t>1</m:t>
+                            <m:t>𝟐</m:t>
                           </m:r>
                           <m:r>
-                            <a:rPr lang="en-US" altLang="zh-CN" i="1" dirty="0">
-                              <a:solidFill>
-                                <a:schemeClr val="tx1"/>
-                              </a:solidFill>
-                              <a:latin typeface="Cambria Math" panose="02040503050406030204" pitchFamily="18" charset="0"/>
-                            </a:rPr>
-                            <m:t>) </m:t>
-                          </m:r>
-                          <m:r>
-                            <a:rPr lang="en-US" altLang="zh-CN" i="1" dirty="0">
-                              <a:solidFill>
-                                <a:schemeClr val="tx1"/>
-                              </a:solidFill>
-                              <a:latin typeface="Cambria Math" panose="02040503050406030204" pitchFamily="18" charset="0"/>
-                            </a:rPr>
-                            <m:t>𝑃</m:t>
-                          </m:r>
-                          <m:r>
-                            <a:rPr lang="en-US" altLang="zh-CN" i="1" dirty="0">
-                              <a:solidFill>
-                                <a:schemeClr val="tx1"/>
-                              </a:solidFill>
-                              <a:latin typeface="Cambria Math" panose="02040503050406030204" pitchFamily="18" charset="0"/>
-                            </a:rPr>
-                            <m:t>(</m:t>
-                          </m:r>
-                          <m:r>
-                            <a:rPr lang="en-US" altLang="zh-CN" i="1" dirty="0">
-                              <a:solidFill>
-                                <a:schemeClr val="tx1"/>
-                              </a:solidFill>
-                              <a:latin typeface="Cambria Math" panose="02040503050406030204" pitchFamily="18" charset="0"/>
-                            </a:rPr>
-                            <m:t>𝑐</m:t>
-                          </m:r>
-                          <m:r>
-                            <a:rPr lang="en-US" altLang="zh-CN" i="1" baseline="-25000" dirty="0">
-                              <a:solidFill>
-                                <a:schemeClr val="tx1"/>
-                              </a:solidFill>
-                              <a:latin typeface="Cambria Math" panose="02040503050406030204" pitchFamily="18" charset="0"/>
-                            </a:rPr>
-                            <m:t>2</m:t>
-                          </m:r>
-                          <m:r>
-                            <a:rPr lang="en-US" altLang="zh-CN" i="1" dirty="0">
-                              <a:solidFill>
-                                <a:schemeClr val="tx1"/>
-                              </a:solidFill>
-                              <a:latin typeface="Cambria Math" panose="02040503050406030204" pitchFamily="18" charset="0"/>
-                            </a:rPr>
-                            <m:t>|</m:t>
-                          </m:r>
-                          <m:r>
-                            <a:rPr lang="en-US" altLang="zh-CN" i="1" dirty="0">
-                              <a:solidFill>
-                                <a:schemeClr val="tx1"/>
-                              </a:solidFill>
-                              <a:latin typeface="Cambria Math" panose="02040503050406030204" pitchFamily="18" charset="0"/>
-                            </a:rPr>
-                            <m:t>𝑒</m:t>
-                          </m:r>
-                          <m:r>
-                            <a:rPr lang="en-US" altLang="zh-CN" i="1" baseline="-25000" dirty="0">
-                              <a:solidFill>
-                                <a:schemeClr val="tx1"/>
-                              </a:solidFill>
-                              <a:latin typeface="Cambria Math" panose="02040503050406030204" pitchFamily="18" charset="0"/>
-                            </a:rPr>
-                            <m:t>2</m:t>
-                          </m:r>
-                          <m:r>
-                            <a:rPr lang="en-US" altLang="zh-CN" i="1" dirty="0">
+                            <a:rPr lang="en-US" altLang="zh-CN" sz="2000" b="1" i="1" dirty="0">
                               <a:solidFill>
                                 <a:schemeClr val="tx1"/>
                               </a:solidFill>
@@ -10414,7 +9983,7 @@
                             <m:rPr>
                               <m:nor/>
                             </m:rPr>
-                            <a:rPr lang="zh-CN" altLang="en-US" dirty="0" err="1">
+                            <a:rPr lang="zh-CN" altLang="en-US" sz="2000" b="1" dirty="0" err="1">
                               <a:solidFill>
                                 <a:schemeClr val="tx1"/>
                               </a:solidFill>
@@ -10424,7 +9993,7 @@
                         </m:e>
                       </m:func>
                       <m:r>
-                        <a:rPr lang="en-US" altLang="zh-CN" i="1" dirty="0" smtClean="0">
+                        <a:rPr lang="en-US" altLang="zh-CN" sz="2000" b="1" i="1" dirty="0" smtClean="0">
                           <a:solidFill>
                             <a:schemeClr val="tx1"/>
                           </a:solidFill>
@@ -10435,7 +10004,7 @@
                     </m:oMath>
                   </m:oMathPara>
                 </a14:m>
-                <a:endParaRPr lang="zh-CN" altLang="en-US" dirty="0" err="1">
+                <a:endParaRPr lang="zh-CN" altLang="en-US" sz="2000" b="1" dirty="0" err="1">
                   <a:solidFill>
                     <a:schemeClr val="tx1"/>
                   </a:solidFill>
@@ -10444,7 +10013,7 @@
             </p:txBody>
           </p:sp>
         </mc:Choice>
-        <mc:Fallback xmlns="">
+        <mc:Fallback>
           <p:sp>
             <p:nvSpPr>
               <p:cNvPr id="99" name="圆角矩形 98"/>
@@ -10455,8 +10024,8 @@
             </p:nvSpPr>
             <p:spPr>
               <a:xfrm>
-                <a:off x="2646197" y="2212172"/>
-                <a:ext cx="5478663" cy="508761"/>
+                <a:off x="2891247" y="1258803"/>
+                <a:ext cx="5536640" cy="508761"/>
               </a:xfrm>
               <a:prstGeom prst="roundRect">
                 <a:avLst/>
@@ -10486,128 +10055,6 @@
           </p:sp>
         </mc:Fallback>
       </mc:AlternateContent>
-      <p:grpSp>
-        <p:nvGrpSpPr>
-          <p:cNvPr id="105" name="组合 104"/>
-          <p:cNvGrpSpPr/>
-          <p:nvPr/>
-        </p:nvGrpSpPr>
-        <p:grpSpPr>
-          <a:xfrm rot="16200000">
-            <a:off x="2199738" y="3961364"/>
-            <a:ext cx="2826785" cy="342410"/>
-            <a:chOff x="6598572" y="1168400"/>
-            <a:chExt cx="1034128" cy="347487"/>
-          </a:xfrm>
-          <a:effectLst/>
-        </p:grpSpPr>
-        <p:sp>
-          <p:nvSpPr>
-            <p:cNvPr id="106" name="右箭头 105"/>
-            <p:cNvSpPr/>
-            <p:nvPr/>
-          </p:nvSpPr>
-          <p:spPr>
-            <a:xfrm>
-              <a:off x="6605845" y="1168400"/>
-              <a:ext cx="1026855" cy="169300"/>
-            </a:xfrm>
-            <a:prstGeom prst="rightArrow">
-              <a:avLst/>
-            </a:prstGeom>
-            <a:solidFill>
-              <a:schemeClr val="bg1"/>
-            </a:solidFill>
-            <a:ln>
-              <a:noFill/>
-            </a:ln>
-          </p:spPr>
-          <p:style>
-            <a:lnRef idx="0">
-              <a:schemeClr val="accent1"/>
-            </a:lnRef>
-            <a:fillRef idx="3">
-              <a:schemeClr val="accent1"/>
-            </a:fillRef>
-            <a:effectRef idx="3">
-              <a:schemeClr val="accent1"/>
-            </a:effectRef>
-            <a:fontRef idx="minor">
-              <a:schemeClr val="lt1"/>
-            </a:fontRef>
-          </p:style>
-          <p:txBody>
-            <a:bodyPr rot="0" spcFirstLastPara="0" vertOverflow="overflow" horzOverflow="overflow" vert="horz" wrap="square" lIns="91440" tIns="45720" rIns="91440" bIns="45720" numCol="1" spcCol="0" rtlCol="0" fromWordArt="0" anchor="ctr" anchorCtr="0" forceAA="0" compatLnSpc="1">
-              <a:prstTxWarp prst="textNoShape">
-                <a:avLst/>
-              </a:prstTxWarp>
-              <a:noAutofit/>
-            </a:bodyPr>
-            <a:lstStyle/>
-            <a:p>
-              <a:pPr algn="ctr"/>
-              <a:endParaRPr lang="zh-CN" altLang="en-US" sz="2000" dirty="0" smtClean="0">
-                <a:solidFill>
-                  <a:schemeClr val="tx1"/>
-                </a:solidFill>
-              </a:endParaRPr>
-            </a:p>
-          </p:txBody>
-        </p:sp>
-        <p:sp>
-          <p:nvSpPr>
-            <p:cNvPr id="107" name="右箭头 106"/>
-            <p:cNvSpPr/>
-            <p:nvPr/>
-          </p:nvSpPr>
-          <p:spPr>
-            <a:xfrm rot="10800000">
-              <a:off x="6598572" y="1346587"/>
-              <a:ext cx="1026855" cy="169300"/>
-            </a:xfrm>
-            <a:prstGeom prst="rightArrow">
-              <a:avLst/>
-            </a:prstGeom>
-            <a:solidFill>
-              <a:schemeClr val="bg1"/>
-            </a:solidFill>
-            <a:ln>
-              <a:noFill/>
-            </a:ln>
-          </p:spPr>
-          <p:style>
-            <a:lnRef idx="0">
-              <a:schemeClr val="accent1"/>
-            </a:lnRef>
-            <a:fillRef idx="3">
-              <a:schemeClr val="accent1"/>
-            </a:fillRef>
-            <a:effectRef idx="3">
-              <a:schemeClr val="accent1"/>
-            </a:effectRef>
-            <a:fontRef idx="minor">
-              <a:schemeClr val="lt1"/>
-            </a:fontRef>
-          </p:style>
-          <p:txBody>
-            <a:bodyPr rot="0" spcFirstLastPara="0" vertOverflow="overflow" horzOverflow="overflow" vert="horz" wrap="square" lIns="91440" tIns="45720" rIns="91440" bIns="45720" numCol="1" spcCol="0" rtlCol="0" fromWordArt="0" anchor="ctr" anchorCtr="0" forceAA="0" compatLnSpc="1">
-              <a:prstTxWarp prst="textNoShape">
-                <a:avLst/>
-              </a:prstTxWarp>
-              <a:noAutofit/>
-            </a:bodyPr>
-            <a:lstStyle/>
-            <a:p>
-              <a:pPr algn="ctr"/>
-              <a:endParaRPr lang="zh-CN" altLang="en-US" sz="2000" dirty="0" smtClean="0">
-                <a:solidFill>
-                  <a:schemeClr val="tx1"/>
-                </a:solidFill>
-              </a:endParaRPr>
-            </a:p>
-          </p:txBody>
-        </p:sp>
-      </p:grpSp>
       <p:cxnSp>
         <p:nvCxnSpPr>
           <p:cNvPr id="59" name="直接箭头连接符 58"/>
@@ -10616,8 +10063,8 @@
         </p:nvCxnSpPr>
         <p:spPr>
           <a:xfrm flipV="1">
-            <a:off x="5154991" y="5014486"/>
-            <a:ext cx="1441" cy="553059"/>
+            <a:off x="4865836" y="4738760"/>
+            <a:ext cx="1441" cy="347007"/>
           </a:xfrm>
           <a:prstGeom prst="straightConnector1">
             <a:avLst/>
@@ -10649,8 +10096,8 @@
         </p:nvCxnSpPr>
         <p:spPr>
           <a:xfrm flipV="1">
-            <a:off x="5525257" y="3993097"/>
-            <a:ext cx="1441" cy="553059"/>
+            <a:off x="5283637" y="3889787"/>
+            <a:ext cx="0" cy="366840"/>
           </a:xfrm>
           <a:prstGeom prst="straightConnector1">
             <a:avLst/>
@@ -10682,8 +10129,8 @@
         </p:nvSpPr>
         <p:spPr>
           <a:xfrm>
-            <a:off x="8427886" y="3203815"/>
-            <a:ext cx="825500" cy="369332"/>
+            <a:off x="8055033" y="3203815"/>
+            <a:ext cx="1039894" cy="461665"/>
           </a:xfrm>
           <a:prstGeom prst="rect">
             <a:avLst/>
@@ -10697,10 +10144,10 @@
           <a:lstStyle/>
           <a:p>
             <a:r>
-              <a:rPr lang="en-US" altLang="zh-CN" dirty="0" smtClean="0"/>
-              <a:t>offline</a:t>
-            </a:r>
-            <a:endParaRPr lang="zh-CN" altLang="en-US" dirty="0"/>
+              <a:rPr lang="en-US" altLang="zh-CN" sz="2400" dirty="0" smtClean="0"/>
+              <a:t>Offline</a:t>
+            </a:r>
+            <a:endParaRPr lang="zh-CN" altLang="en-US" sz="2400" dirty="0"/>
           </a:p>
         </p:txBody>
       </p:sp>
@@ -10712,8 +10159,8 @@
         </p:nvSpPr>
         <p:spPr>
           <a:xfrm>
-            <a:off x="8427886" y="2719177"/>
-            <a:ext cx="825500" cy="369332"/>
+            <a:off x="8055033" y="2719177"/>
+            <a:ext cx="1039894" cy="461665"/>
           </a:xfrm>
           <a:prstGeom prst="rect">
             <a:avLst/>
@@ -10727,61 +10174,25 @@
           <a:lstStyle/>
           <a:p>
             <a:r>
-              <a:rPr lang="en-US" altLang="zh-CN" dirty="0" smtClean="0"/>
-              <a:t>online</a:t>
-            </a:r>
-            <a:endParaRPr lang="zh-CN" altLang="en-US" dirty="0"/>
-          </a:p>
-        </p:txBody>
-      </p:sp>
-      <p:cxnSp>
-        <p:nvCxnSpPr>
-          <p:cNvPr id="114" name="直接箭头连接符 113"/>
-          <p:cNvCxnSpPr>
-            <a:stCxn id="83" idx="2"/>
-            <a:endCxn id="80" idx="0"/>
-          </p:cNvCxnSpPr>
-          <p:nvPr/>
-        </p:nvCxnSpPr>
-        <p:spPr>
-          <a:xfrm>
-            <a:off x="5520663" y="997760"/>
-            <a:ext cx="6877" cy="395615"/>
-          </a:xfrm>
-          <a:prstGeom prst="straightConnector1">
-            <a:avLst/>
-          </a:prstGeom>
-          <a:ln w="28575">
-            <a:tailEnd type="triangle"/>
-          </a:ln>
-        </p:spPr>
-        <p:style>
-          <a:lnRef idx="3">
-            <a:schemeClr val="accent3"/>
-          </a:lnRef>
-          <a:fillRef idx="0">
-            <a:schemeClr val="accent3"/>
-          </a:fillRef>
-          <a:effectRef idx="2">
-            <a:schemeClr val="accent3"/>
-          </a:effectRef>
-          <a:fontRef idx="minor">
-            <a:schemeClr val="tx1"/>
-          </a:fontRef>
-        </p:style>
-      </p:cxnSp>
+              <a:rPr lang="en-US" altLang="zh-CN" sz="2400" dirty="0" smtClean="0"/>
+              <a:t>Online</a:t>
+            </a:r>
+            <a:endParaRPr lang="zh-CN" altLang="en-US" sz="2400" dirty="0"/>
+          </a:p>
+        </p:txBody>
+      </p:sp>
       <p:cxnSp>
         <p:nvCxnSpPr>
           <p:cNvPr id="117" name="直接箭头连接符 116"/>
           <p:cNvCxnSpPr>
-            <a:stCxn id="80" idx="4"/>
+            <a:stCxn id="80" idx="0"/>
           </p:cNvCxnSpPr>
           <p:nvPr/>
         </p:nvCxnSpPr>
         <p:spPr>
-          <a:xfrm flipH="1">
-            <a:off x="5520663" y="1817741"/>
-            <a:ext cx="6877" cy="421059"/>
+          <a:xfrm flipH="1" flipV="1">
+            <a:off x="6886927" y="1775731"/>
+            <a:ext cx="10068" cy="346764"/>
           </a:xfrm>
           <a:prstGeom prst="straightConnector1">
             <a:avLst/>
@@ -10812,9 +10223,289 @@
           <p:nvPr/>
         </p:nvCxnSpPr>
         <p:spPr>
+          <a:xfrm flipH="1" flipV="1">
+            <a:off x="5283637" y="1767564"/>
+            <a:ext cx="5608" cy="1581251"/>
+          </a:xfrm>
+          <a:prstGeom prst="straightConnector1">
+            <a:avLst/>
+          </a:prstGeom>
+          <a:ln w="28575">
+            <a:tailEnd type="triangle"/>
+          </a:ln>
+        </p:spPr>
+        <p:style>
+          <a:lnRef idx="3">
+            <a:schemeClr val="accent3"/>
+          </a:lnRef>
+          <a:fillRef idx="0">
+            <a:schemeClr val="accent3"/>
+          </a:fillRef>
+          <a:effectRef idx="2">
+            <a:schemeClr val="accent3"/>
+          </a:effectRef>
+          <a:fontRef idx="minor">
+            <a:schemeClr val="tx1"/>
+          </a:fontRef>
+        </p:style>
+      </p:cxnSp>
+      <mc:AlternateContent xmlns:mc="http://schemas.openxmlformats.org/markup-compatibility/2006" xmlns:a14="http://schemas.microsoft.com/office/drawing/2010/main">
+        <mc:Choice Requires="a14">
+          <p:sp>
+            <p:nvSpPr>
+              <p:cNvPr id="34" name="圆角矩形 33"/>
+              <p:cNvSpPr/>
+              <p:nvPr/>
+            </p:nvSpPr>
+            <p:spPr>
+              <a:xfrm>
+                <a:off x="3445798" y="3341042"/>
+                <a:ext cx="920839" cy="481403"/>
+              </a:xfrm>
+              <a:prstGeom prst="roundRect">
+                <a:avLst/>
+              </a:prstGeom>
+              <a:solidFill>
+                <a:schemeClr val="bg1"/>
+              </a:solidFill>
+              <a:ln>
+                <a:noFill/>
+              </a:ln>
+            </p:spPr>
+            <p:style>
+              <a:lnRef idx="0">
+                <a:schemeClr val="accent1"/>
+              </a:lnRef>
+              <a:fillRef idx="3">
+                <a:schemeClr val="accent1"/>
+              </a:fillRef>
+              <a:effectRef idx="3">
+                <a:schemeClr val="accent1"/>
+              </a:effectRef>
+              <a:fontRef idx="minor">
+                <a:schemeClr val="lt1"/>
+              </a:fontRef>
+            </p:style>
+            <p:txBody>
+              <a:bodyPr rot="0" spcFirstLastPara="0" vertOverflow="overflow" horzOverflow="overflow" vert="horz" wrap="square" lIns="91440" tIns="45720" rIns="91440" bIns="45720" numCol="1" spcCol="0" rtlCol="0" fromWordArt="0" anchor="ctr" anchorCtr="0" forceAA="0" compatLnSpc="1">
+                <a:prstTxWarp prst="textNoShape">
+                  <a:avLst/>
+                </a:prstTxWarp>
+                <a:noAutofit/>
+              </a:bodyPr>
+              <a:lstStyle/>
+              <a:p>
+                <a:pPr algn="ctr"/>
+                <a14:m>
+                  <m:oMathPara xmlns:m="http://schemas.openxmlformats.org/officeDocument/2006/math">
+                    <m:oMathParaPr>
+                      <m:jc m:val="centerGroup"/>
+                    </m:oMathParaPr>
+                    <m:oMath xmlns:m="http://schemas.openxmlformats.org/officeDocument/2006/math">
+                      <m:r>
+                        <a:rPr lang="en-US" altLang="zh-CN" sz="2400" i="1" dirty="0">
+                          <a:solidFill>
+                            <a:schemeClr val="tx1"/>
+                          </a:solidFill>
+                          <a:latin typeface="Cambria Math" panose="02040503050406030204" pitchFamily="18" charset="0"/>
+                        </a:rPr>
+                        <m:t>𝑃</m:t>
+                      </m:r>
+                      <m:r>
+                        <a:rPr lang="en-US" altLang="zh-CN" sz="2400" i="1" dirty="0">
+                          <a:solidFill>
+                            <a:schemeClr val="tx1"/>
+                          </a:solidFill>
+                          <a:latin typeface="Cambria Math" panose="02040503050406030204" pitchFamily="18" charset="0"/>
+                        </a:rPr>
+                        <m:t>(</m:t>
+                      </m:r>
+                      <m:r>
+                        <a:rPr lang="en-US" altLang="zh-CN" sz="2400" i="1" dirty="0">
+                          <a:solidFill>
+                            <a:schemeClr val="tx1"/>
+                          </a:solidFill>
+                          <a:latin typeface="Cambria Math" panose="02040503050406030204" pitchFamily="18" charset="0"/>
+                        </a:rPr>
+                        <m:t>𝑎</m:t>
+                      </m:r>
+                      <m:r>
+                        <a:rPr lang="en-US" altLang="zh-CN" sz="2400" i="1" dirty="0">
+                          <a:solidFill>
+                            <a:schemeClr val="tx1"/>
+                          </a:solidFill>
+                          <a:latin typeface="Cambria Math" panose="02040503050406030204" pitchFamily="18" charset="0"/>
+                        </a:rPr>
+                        <m:t>)</m:t>
+                      </m:r>
+                    </m:oMath>
+                  </m:oMathPara>
+                </a14:m>
+                <a:endParaRPr lang="zh-CN" altLang="en-US" sz="2400" i="1" dirty="0">
+                  <a:solidFill>
+                    <a:schemeClr val="tx1"/>
+                  </a:solidFill>
+                  <a:latin typeface="Cambria Math" panose="02040503050406030204" pitchFamily="18" charset="0"/>
+                </a:endParaRPr>
+              </a:p>
+            </p:txBody>
+          </p:sp>
+        </mc:Choice>
+        <mc:Fallback xmlns="">
+          <p:sp>
+            <p:nvSpPr>
+              <p:cNvPr id="34" name="圆角矩形 33"/>
+              <p:cNvSpPr>
+                <a:spLocks noRot="1" noChangeAspect="1" noMove="1" noResize="1" noEditPoints="1" noAdjustHandles="1" noChangeArrowheads="1" noChangeShapeType="1" noTextEdit="1"/>
+              </p:cNvSpPr>
+              <p:nvPr/>
+            </p:nvSpPr>
+            <p:spPr>
+              <a:xfrm>
+                <a:off x="3445798" y="3341042"/>
+                <a:ext cx="920839" cy="481403"/>
+              </a:xfrm>
+              <a:prstGeom prst="roundRect">
+                <a:avLst/>
+              </a:prstGeom>
+              <a:blipFill rotWithShape="0">
+                <a:blip r:embed="rId4"/>
+                <a:stretch>
+                  <a:fillRect/>
+                </a:stretch>
+              </a:blipFill>
+              <a:ln>
+                <a:noFill/>
+              </a:ln>
+            </p:spPr>
+            <p:txBody>
+              <a:bodyPr/>
+              <a:lstStyle/>
+              <a:p>
+                <a:r>
+                  <a:rPr lang="zh-CN" altLang="en-US">
+                    <a:noFill/>
+                  </a:rPr>
+                  <a:t> </a:t>
+                </a:r>
+              </a:p>
+            </p:txBody>
+          </p:sp>
+        </mc:Fallback>
+      </mc:AlternateContent>
+      <p:cxnSp>
+        <p:nvCxnSpPr>
+          <p:cNvPr id="41" name="直接箭头连接符 40"/>
+          <p:cNvCxnSpPr>
+            <a:endCxn id="34" idx="2"/>
+          </p:cNvCxnSpPr>
+          <p:nvPr/>
+        </p:nvCxnSpPr>
+        <p:spPr>
           <a:xfrm flipV="1">
-            <a:off x="5519444" y="2727631"/>
-            <a:ext cx="2438" cy="721756"/>
+            <a:off x="3906217" y="3822445"/>
+            <a:ext cx="1" cy="1246868"/>
+          </a:xfrm>
+          <a:prstGeom prst="straightConnector1">
+            <a:avLst/>
+          </a:prstGeom>
+          <a:ln w="28575">
+            <a:tailEnd type="triangle"/>
+          </a:ln>
+        </p:spPr>
+        <p:style>
+          <a:lnRef idx="3">
+            <a:schemeClr val="accent3"/>
+          </a:lnRef>
+          <a:fillRef idx="0">
+            <a:schemeClr val="accent3"/>
+          </a:fillRef>
+          <a:effectRef idx="2">
+            <a:schemeClr val="accent3"/>
+          </a:effectRef>
+          <a:fontRef idx="minor">
+            <a:schemeClr val="tx1"/>
+          </a:fontRef>
+        </p:style>
+      </p:cxnSp>
+      <p:cxnSp>
+        <p:nvCxnSpPr>
+          <p:cNvPr id="112" name="肘形连接符 111"/>
+          <p:cNvCxnSpPr>
+            <a:stCxn id="34" idx="0"/>
+          </p:cNvCxnSpPr>
+          <p:nvPr/>
+        </p:nvCxnSpPr>
+        <p:spPr>
+          <a:xfrm rot="5400000" flipH="1" flipV="1">
+            <a:off x="3397104" y="2276678"/>
+            <a:ext cx="1573478" cy="555250"/>
+          </a:xfrm>
+          <a:prstGeom prst="bentConnector3">
+            <a:avLst/>
+          </a:prstGeom>
+          <a:ln w="28575">
+            <a:tailEnd type="triangle"/>
+          </a:ln>
+        </p:spPr>
+        <p:style>
+          <a:lnRef idx="3">
+            <a:schemeClr val="accent3"/>
+          </a:lnRef>
+          <a:fillRef idx="0">
+            <a:schemeClr val="accent3"/>
+          </a:fillRef>
+          <a:effectRef idx="2">
+            <a:schemeClr val="accent3"/>
+          </a:effectRef>
+          <a:fontRef idx="minor">
+            <a:schemeClr val="tx1"/>
+          </a:fontRef>
+        </p:style>
+      </p:cxnSp>
+      <p:cxnSp>
+        <p:nvCxnSpPr>
+          <p:cNvPr id="126" name="直接箭头连接符 125"/>
+          <p:cNvCxnSpPr/>
+          <p:nvPr/>
+        </p:nvCxnSpPr>
+        <p:spPr>
+          <a:xfrm flipH="1" flipV="1">
+            <a:off x="7882933" y="2608397"/>
+            <a:ext cx="15071" cy="2444584"/>
+          </a:xfrm>
+          <a:prstGeom prst="straightConnector1">
+            <a:avLst/>
+          </a:prstGeom>
+          <a:ln w="28575">
+            <a:tailEnd type="triangle"/>
+          </a:ln>
+        </p:spPr>
+        <p:style>
+          <a:lnRef idx="3">
+            <a:schemeClr val="accent3"/>
+          </a:lnRef>
+          <a:fillRef idx="0">
+            <a:schemeClr val="accent3"/>
+          </a:fillRef>
+          <a:effectRef idx="2">
+            <a:schemeClr val="accent3"/>
+          </a:effectRef>
+          <a:fontRef idx="minor">
+            <a:schemeClr val="tx1"/>
+          </a:fontRef>
+        </p:style>
+      </p:cxnSp>
+      <p:cxnSp>
+        <p:nvCxnSpPr>
+          <p:cNvPr id="129" name="直接箭头连接符 128"/>
+          <p:cNvCxnSpPr/>
+          <p:nvPr/>
+        </p:nvCxnSpPr>
+        <p:spPr>
+          <a:xfrm flipV="1">
+            <a:off x="6923314" y="4722306"/>
+            <a:ext cx="0" cy="347007"/>
           </a:xfrm>
           <a:prstGeom prst="straightConnector1">
             <a:avLst/>

--- a/resources/mypaper.pptx
+++ b/resources/mypaper.pptx
@@ -9365,9 +9365,9 @@
           <p:nvPr/>
         </p:nvCxnSpPr>
         <p:spPr>
-          <a:xfrm>
-            <a:off x="2136618" y="3100315"/>
-            <a:ext cx="7106970" cy="4526"/>
+          <a:xfrm flipV="1">
+            <a:off x="2699657" y="3104841"/>
+            <a:ext cx="6543931" cy="1099"/>
           </a:xfrm>
           <a:prstGeom prst="line">
             <a:avLst/>
@@ -9590,8 +9590,8 @@
           </p:sp>
         </mc:Fallback>
       </mc:AlternateContent>
-      <mc:AlternateContent xmlns:mc="http://schemas.openxmlformats.org/markup-compatibility/2006">
-        <mc:Choice xmlns:a14="http://schemas.microsoft.com/office/drawing/2010/main" Requires="a14">
+      <mc:AlternateContent xmlns:mc="http://schemas.openxmlformats.org/markup-compatibility/2006" xmlns:a14="http://schemas.microsoft.com/office/drawing/2010/main">
+        <mc:Choice Requires="a14">
           <p:sp>
             <p:nvSpPr>
               <p:cNvPr id="99" name="圆角矩形 98"/>
@@ -10013,7 +10013,7 @@
             </p:txBody>
           </p:sp>
         </mc:Choice>
-        <mc:Fallback>
+        <mc:Fallback xmlns="">
           <p:sp>
             <p:nvSpPr>
               <p:cNvPr id="99" name="圆角矩形 98"/>

--- a/resources/mypaper.pptx
+++ b/resources/mypaper.pptx
@@ -255,7 +255,7 @@
           <a:p>
             <a:fld id="{CF4993DB-1284-461A-A2D5-97453C944B44}" type="datetimeFigureOut">
               <a:rPr lang="zh-CN" altLang="en-US" smtClean="0"/>
-              <a:t>2015/9/15</a:t>
+              <a:t>2015/9/16</a:t>
             </a:fld>
             <a:endParaRPr lang="zh-CN" altLang="en-US"/>
           </a:p>
@@ -425,7 +425,7 @@
           <a:p>
             <a:fld id="{CF4993DB-1284-461A-A2D5-97453C944B44}" type="datetimeFigureOut">
               <a:rPr lang="zh-CN" altLang="en-US" smtClean="0"/>
-              <a:t>2015/9/15</a:t>
+              <a:t>2015/9/16</a:t>
             </a:fld>
             <a:endParaRPr lang="zh-CN" altLang="en-US"/>
           </a:p>
@@ -605,7 +605,7 @@
           <a:p>
             <a:fld id="{CF4993DB-1284-461A-A2D5-97453C944B44}" type="datetimeFigureOut">
               <a:rPr lang="zh-CN" altLang="en-US" smtClean="0"/>
-              <a:t>2015/9/15</a:t>
+              <a:t>2015/9/16</a:t>
             </a:fld>
             <a:endParaRPr lang="zh-CN" altLang="en-US"/>
           </a:p>
@@ -775,7 +775,7 @@
           <a:p>
             <a:fld id="{CF4993DB-1284-461A-A2D5-97453C944B44}" type="datetimeFigureOut">
               <a:rPr lang="zh-CN" altLang="en-US" smtClean="0"/>
-              <a:t>2015/9/15</a:t>
+              <a:t>2015/9/16</a:t>
             </a:fld>
             <a:endParaRPr lang="zh-CN" altLang="en-US"/>
           </a:p>
@@ -1021,7 +1021,7 @@
           <a:p>
             <a:fld id="{CF4993DB-1284-461A-A2D5-97453C944B44}" type="datetimeFigureOut">
               <a:rPr lang="zh-CN" altLang="en-US" smtClean="0"/>
-              <a:t>2015/9/15</a:t>
+              <a:t>2015/9/16</a:t>
             </a:fld>
             <a:endParaRPr lang="zh-CN" altLang="en-US"/>
           </a:p>
@@ -1253,7 +1253,7 @@
           <a:p>
             <a:fld id="{CF4993DB-1284-461A-A2D5-97453C944B44}" type="datetimeFigureOut">
               <a:rPr lang="zh-CN" altLang="en-US" smtClean="0"/>
-              <a:t>2015/9/15</a:t>
+              <a:t>2015/9/16</a:t>
             </a:fld>
             <a:endParaRPr lang="zh-CN" altLang="en-US"/>
           </a:p>
@@ -1620,7 +1620,7 @@
           <a:p>
             <a:fld id="{CF4993DB-1284-461A-A2D5-97453C944B44}" type="datetimeFigureOut">
               <a:rPr lang="zh-CN" altLang="en-US" smtClean="0"/>
-              <a:t>2015/9/15</a:t>
+              <a:t>2015/9/16</a:t>
             </a:fld>
             <a:endParaRPr lang="zh-CN" altLang="en-US"/>
           </a:p>
@@ -1738,7 +1738,7 @@
           <a:p>
             <a:fld id="{CF4993DB-1284-461A-A2D5-97453C944B44}" type="datetimeFigureOut">
               <a:rPr lang="zh-CN" altLang="en-US" smtClean="0"/>
-              <a:t>2015/9/15</a:t>
+              <a:t>2015/9/16</a:t>
             </a:fld>
             <a:endParaRPr lang="zh-CN" altLang="en-US"/>
           </a:p>
@@ -1833,7 +1833,7 @@
           <a:p>
             <a:fld id="{CF4993DB-1284-461A-A2D5-97453C944B44}" type="datetimeFigureOut">
               <a:rPr lang="zh-CN" altLang="en-US" smtClean="0"/>
-              <a:t>2015/9/15</a:t>
+              <a:t>2015/9/16</a:t>
             </a:fld>
             <a:endParaRPr lang="zh-CN" altLang="en-US"/>
           </a:p>
@@ -2110,7 +2110,7 @@
           <a:p>
             <a:fld id="{CF4993DB-1284-461A-A2D5-97453C944B44}" type="datetimeFigureOut">
               <a:rPr lang="zh-CN" altLang="en-US" smtClean="0"/>
-              <a:t>2015/9/15</a:t>
+              <a:t>2015/9/16</a:t>
             </a:fld>
             <a:endParaRPr lang="zh-CN" altLang="en-US"/>
           </a:p>
@@ -2363,7 +2363,7 @@
           <a:p>
             <a:fld id="{CF4993DB-1284-461A-A2D5-97453C944B44}" type="datetimeFigureOut">
               <a:rPr lang="zh-CN" altLang="en-US" smtClean="0"/>
-              <a:t>2015/9/15</a:t>
+              <a:t>2015/9/16</a:t>
             </a:fld>
             <a:endParaRPr lang="zh-CN" altLang="en-US"/>
           </a:p>
@@ -2576,7 +2576,7 @@
           <a:p>
             <a:fld id="{CF4993DB-1284-461A-A2D5-97453C944B44}" type="datetimeFigureOut">
               <a:rPr lang="zh-CN" altLang="en-US" smtClean="0"/>
-              <a:t>2015/9/15</a:t>
+              <a:t>2015/9/16</a:t>
             </a:fld>
             <a:endParaRPr lang="zh-CN" altLang="en-US"/>
           </a:p>
@@ -5147,8 +5147,8 @@
         </p:nvSpPr>
         <p:spPr>
           <a:xfrm>
-            <a:off x="3237885" y="2191717"/>
-            <a:ext cx="1459621" cy="465323"/>
+            <a:off x="3237885" y="3237627"/>
+            <a:ext cx="1459621" cy="358085"/>
           </a:xfrm>
           <a:prstGeom prst="roundRect">
             <a:avLst/>
@@ -5203,8 +5203,8 @@
         </p:nvSpPr>
         <p:spPr>
           <a:xfrm>
-            <a:off x="3237885" y="5990088"/>
-            <a:ext cx="1852250" cy="506833"/>
+            <a:off x="3619525" y="5501696"/>
+            <a:ext cx="1754901" cy="354067"/>
           </a:xfrm>
           <a:prstGeom prst="roundRect">
             <a:avLst/>
@@ -5241,14 +5241,14 @@
           <a:p>
             <a:pPr algn="ctr"/>
             <a:r>
-              <a:rPr lang="en-US" altLang="zh-CN" sz="1400">
+              <a:rPr lang="en-US" altLang="zh-CN" sz="1600" dirty="0">
                 <a:solidFill>
                   <a:schemeClr val="tx1"/>
                 </a:solidFill>
               </a:rPr>
               <a:t>Bill gates</a:t>
             </a:r>
-            <a:endParaRPr lang="zh-CN" altLang="en-US" sz="1400" dirty="0">
+            <a:endParaRPr lang="zh-CN" altLang="en-US" sz="1600" dirty="0">
               <a:solidFill>
                 <a:schemeClr val="tx1"/>
               </a:solidFill>
@@ -5264,8 +5264,8 @@
         </p:nvSpPr>
         <p:spPr>
           <a:xfrm>
-            <a:off x="2021606" y="3123041"/>
-            <a:ext cx="1597919" cy="536249"/>
+            <a:off x="2021606" y="3843468"/>
+            <a:ext cx="1597919" cy="455090"/>
           </a:xfrm>
           <a:prstGeom prst="roundRect">
             <a:avLst/>
@@ -5320,8 +5320,8 @@
         </p:nvSpPr>
         <p:spPr>
           <a:xfrm>
-            <a:off x="4157027" y="3123041"/>
-            <a:ext cx="1474712" cy="535346"/>
+            <a:off x="4157027" y="3843331"/>
+            <a:ext cx="1474712" cy="454324"/>
           </a:xfrm>
           <a:prstGeom prst="roundRect">
             <a:avLst/>
@@ -5387,8 +5387,8 @@
         </p:nvSpPr>
         <p:spPr>
           <a:xfrm>
-            <a:off x="1850835" y="1930191"/>
-            <a:ext cx="5883006" cy="1885080"/>
+            <a:off x="1850835" y="3147801"/>
+            <a:ext cx="5883006" cy="1306737"/>
           </a:xfrm>
           <a:prstGeom prst="roundRect">
             <a:avLst>
@@ -5445,8 +5445,8 @@
         </p:nvSpPr>
         <p:spPr>
           <a:xfrm>
-            <a:off x="6279848" y="2008329"/>
-            <a:ext cx="1453993" cy="338554"/>
+            <a:off x="6409320" y="3303049"/>
+            <a:ext cx="1453993" cy="307777"/>
           </a:xfrm>
           <a:prstGeom prst="rect">
             <a:avLst/>
@@ -5460,14 +5460,14 @@
           <a:lstStyle/>
           <a:p>
             <a:r>
-              <a:rPr lang="en-US" altLang="zh-CN" sz="1600" dirty="0" smtClean="0">
+              <a:rPr lang="en-US" altLang="zh-CN" sz="1400" dirty="0" smtClean="0">
                 <a:solidFill>
                   <a:srgbClr val="FF0000"/>
                 </a:solidFill>
               </a:rPr>
               <a:t>Head: leader</a:t>
             </a:r>
-            <a:endParaRPr lang="zh-CN" altLang="en-US" sz="1600" dirty="0">
+            <a:endParaRPr lang="zh-CN" altLang="en-US" sz="1400" dirty="0">
               <a:solidFill>
                 <a:srgbClr val="FF0000"/>
               </a:solidFill>
@@ -5486,8 +5486,8 @@
         </p:nvCxnSpPr>
         <p:spPr>
           <a:xfrm flipV="1">
-            <a:off x="4164010" y="3658387"/>
-            <a:ext cx="730373" cy="2331701"/>
+            <a:off x="4496976" y="4297655"/>
+            <a:ext cx="397407" cy="1204041"/>
           </a:xfrm>
           <a:prstGeom prst="straightConnector1">
             <a:avLst/>
@@ -5527,8 +5527,8 @@
         </p:nvCxnSpPr>
         <p:spPr>
           <a:xfrm flipH="1" flipV="1">
-            <a:off x="2820566" y="3659290"/>
-            <a:ext cx="1343444" cy="2330798"/>
+            <a:off x="2820566" y="4298558"/>
+            <a:ext cx="1676410" cy="1203138"/>
           </a:xfrm>
           <a:prstGeom prst="straightConnector1">
             <a:avLst/>
@@ -5568,8 +5568,8 @@
         </p:nvCxnSpPr>
         <p:spPr>
           <a:xfrm flipH="1" flipV="1">
-            <a:off x="3967696" y="2657040"/>
-            <a:ext cx="196314" cy="3333048"/>
+            <a:off x="3967696" y="3595712"/>
+            <a:ext cx="529280" cy="1905984"/>
           </a:xfrm>
           <a:prstGeom prst="straightConnector1">
             <a:avLst/>
@@ -5606,8 +5606,8 @@
         </p:nvSpPr>
         <p:spPr>
           <a:xfrm>
-            <a:off x="4817005" y="3815271"/>
-            <a:ext cx="506507" cy="369332"/>
+            <a:off x="4817005" y="4454539"/>
+            <a:ext cx="506507" cy="307777"/>
           </a:xfrm>
           <a:prstGeom prst="rect">
             <a:avLst/>
@@ -5621,10 +5621,10 @@
           <a:lstStyle/>
           <a:p>
             <a:r>
-              <a:rPr lang="en-US" altLang="zh-CN" dirty="0" smtClean="0"/>
+              <a:rPr lang="en-US" altLang="zh-CN" sz="1400" dirty="0" smtClean="0"/>
               <a:t>1</a:t>
             </a:r>
-            <a:endParaRPr lang="zh-CN" altLang="en-US" dirty="0"/>
+            <a:endParaRPr lang="zh-CN" altLang="en-US" sz="1400" dirty="0"/>
           </a:p>
         </p:txBody>
       </p:sp>
@@ -5636,8 +5636,8 @@
         </p:nvSpPr>
         <p:spPr>
           <a:xfrm>
-            <a:off x="2940448" y="3876252"/>
-            <a:ext cx="506507" cy="369332"/>
+            <a:off x="2940448" y="4515520"/>
+            <a:ext cx="506507" cy="307777"/>
           </a:xfrm>
           <a:prstGeom prst="rect">
             <a:avLst/>
@@ -5651,10 +5651,10 @@
           <a:lstStyle/>
           <a:p>
             <a:r>
-              <a:rPr lang="en-US" altLang="zh-CN" dirty="0" smtClean="0"/>
+              <a:rPr lang="en-US" altLang="zh-CN" sz="1400" dirty="0" smtClean="0"/>
               <a:t>17</a:t>
             </a:r>
-            <a:endParaRPr lang="zh-CN" altLang="en-US" dirty="0"/>
+            <a:endParaRPr lang="zh-CN" altLang="en-US" sz="1400" dirty="0"/>
           </a:p>
         </p:txBody>
       </p:sp>
@@ -5666,8 +5666,8 @@
         </p:nvSpPr>
         <p:spPr>
           <a:xfrm>
-            <a:off x="3802105" y="2787436"/>
-            <a:ext cx="403919" cy="369332"/>
+            <a:off x="3802105" y="3726108"/>
+            <a:ext cx="403919" cy="307777"/>
           </a:xfrm>
           <a:prstGeom prst="rect">
             <a:avLst/>
@@ -5681,10 +5681,10 @@
           <a:lstStyle/>
           <a:p>
             <a:r>
-              <a:rPr lang="en-US" altLang="zh-CN" dirty="0" smtClean="0"/>
+              <a:rPr lang="en-US" altLang="zh-CN" sz="1400" dirty="0" smtClean="0"/>
               <a:t>9</a:t>
             </a:r>
-            <a:endParaRPr lang="zh-CN" altLang="en-US" dirty="0"/>
+            <a:endParaRPr lang="zh-CN" altLang="en-US" sz="1400" dirty="0"/>
           </a:p>
         </p:txBody>
       </p:sp>
@@ -5696,8 +5696,8 @@
         </p:nvSpPr>
         <p:spPr>
           <a:xfrm>
-            <a:off x="5990861" y="3137152"/>
-            <a:ext cx="1628099" cy="507124"/>
+            <a:off x="5990861" y="3853170"/>
+            <a:ext cx="1628099" cy="430373"/>
           </a:xfrm>
           <a:prstGeom prst="roundRect">
             <a:avLst/>
@@ -5755,8 +5755,8 @@
         </p:nvCxnSpPr>
         <p:spPr>
           <a:xfrm flipV="1">
-            <a:off x="4164010" y="3644276"/>
-            <a:ext cx="2640901" cy="2345812"/>
+            <a:off x="4496976" y="4283543"/>
+            <a:ext cx="2307935" cy="1218153"/>
           </a:xfrm>
           <a:prstGeom prst="straightConnector1">
             <a:avLst/>
@@ -5793,8 +5793,8 @@
         </p:nvSpPr>
         <p:spPr>
           <a:xfrm>
-            <a:off x="5125232" y="4854008"/>
-            <a:ext cx="506507" cy="369332"/>
+            <a:off x="5125232" y="4943020"/>
+            <a:ext cx="506507" cy="307777"/>
           </a:xfrm>
           <a:prstGeom prst="rect">
             <a:avLst/>
@@ -5808,7 +5808,7 @@
           <a:lstStyle/>
           <a:p>
             <a:r>
-              <a:rPr lang="en-US" altLang="zh-CN" dirty="0" smtClean="0"/>
+              <a:rPr lang="en-US" altLang="zh-CN" sz="1400" dirty="0" smtClean="0"/>
               <a:t>5</a:t>
             </a:r>
           </a:p>
@@ -5822,8 +5822,8 @@
         </p:nvSpPr>
         <p:spPr>
           <a:xfrm>
-            <a:off x="6271510" y="4781834"/>
-            <a:ext cx="1066800" cy="500107"/>
+            <a:off x="6271510" y="4960525"/>
+            <a:ext cx="1066800" cy="361034"/>
           </a:xfrm>
           <a:prstGeom prst="roundRect">
             <a:avLst/>
@@ -5886,8 +5886,8 @@
         </p:nvCxnSpPr>
         <p:spPr>
           <a:xfrm flipV="1">
-            <a:off x="6804910" y="3644276"/>
-            <a:ext cx="1" cy="1137558"/>
+            <a:off x="6804910" y="4283543"/>
+            <a:ext cx="1" cy="676982"/>
           </a:xfrm>
           <a:prstGeom prst="straightConnector1">
             <a:avLst/>
@@ -5926,8 +5926,8 @@
         </p:nvCxnSpPr>
         <p:spPr>
           <a:xfrm flipV="1">
-            <a:off x="5090135" y="5281941"/>
-            <a:ext cx="1714775" cy="961564"/>
+            <a:off x="5374426" y="5321559"/>
+            <a:ext cx="1430484" cy="357171"/>
           </a:xfrm>
           <a:prstGeom prst="straightConnector1">
             <a:avLst/>
@@ -5963,8 +5963,8 @@
         </p:nvSpPr>
         <p:spPr>
           <a:xfrm>
-            <a:off x="2020847" y="4781834"/>
-            <a:ext cx="1564341" cy="490632"/>
+            <a:off x="2011503" y="4962276"/>
+            <a:ext cx="1564341" cy="359283"/>
           </a:xfrm>
           <a:prstGeom prst="roundRect">
             <a:avLst/>
@@ -6001,14 +6001,14 @@
           <a:p>
             <a:pPr algn="ctr"/>
             <a:r>
-              <a:rPr lang="en-US" altLang="zh-CN" sz="1600" dirty="0">
+              <a:rPr lang="en-US" altLang="zh-CN" sz="1400" dirty="0">
                 <a:solidFill>
                   <a:schemeClr val="tx1"/>
                 </a:solidFill>
               </a:rPr>
               <a:t>Successful entrepreneur</a:t>
             </a:r>
-            <a:endParaRPr lang="zh-CN" altLang="en-US" sz="1600" dirty="0">
+            <a:endParaRPr lang="zh-CN" altLang="en-US" sz="1400" dirty="0">
               <a:solidFill>
                 <a:schemeClr val="tx1"/>
               </a:solidFill>
@@ -6027,8 +6027,8 @@
         </p:nvCxnSpPr>
         <p:spPr>
           <a:xfrm flipH="1" flipV="1">
-            <a:off x="2803018" y="5272466"/>
-            <a:ext cx="434867" cy="971039"/>
+            <a:off x="2793674" y="5321559"/>
+            <a:ext cx="825851" cy="357171"/>
           </a:xfrm>
           <a:prstGeom prst="straightConnector1">
             <a:avLst/>
@@ -6067,8 +6067,8 @@
         </p:nvCxnSpPr>
         <p:spPr>
           <a:xfrm flipV="1">
-            <a:off x="2803018" y="3659290"/>
-            <a:ext cx="17548" cy="1122544"/>
+            <a:off x="2793674" y="4298558"/>
+            <a:ext cx="26892" cy="663718"/>
           </a:xfrm>
           <a:prstGeom prst="straightConnector1">
             <a:avLst/>
@@ -6104,8 +6104,8 @@
         </p:nvSpPr>
         <p:spPr>
           <a:xfrm>
-            <a:off x="2518879" y="3903471"/>
-            <a:ext cx="301686" cy="369332"/>
+            <a:off x="2518879" y="4542739"/>
+            <a:ext cx="276038" cy="307777"/>
           </a:xfrm>
           <a:prstGeom prst="rect">
             <a:avLst/>
@@ -6119,10 +6119,10 @@
           <a:lstStyle/>
           <a:p>
             <a:r>
-              <a:rPr lang="en-US" altLang="zh-CN" dirty="0" smtClean="0"/>
+              <a:rPr lang="en-US" altLang="zh-CN" sz="1400" dirty="0" smtClean="0"/>
               <a:t>1</a:t>
             </a:r>
-            <a:endParaRPr lang="zh-CN" altLang="en-US" dirty="0"/>
+            <a:endParaRPr lang="zh-CN" altLang="en-US" sz="1400" dirty="0"/>
           </a:p>
         </p:txBody>
       </p:sp>
@@ -6134,8 +6134,8 @@
         </p:nvSpPr>
         <p:spPr>
           <a:xfrm>
-            <a:off x="2915961" y="5281941"/>
-            <a:ext cx="403919" cy="369332"/>
+            <a:off x="2915961" y="5370953"/>
+            <a:ext cx="403919" cy="307777"/>
           </a:xfrm>
           <a:prstGeom prst="rect">
             <a:avLst/>
@@ -6149,10 +6149,10 @@
           <a:lstStyle/>
           <a:p>
             <a:r>
-              <a:rPr lang="en-US" altLang="zh-CN" dirty="0" smtClean="0"/>
+              <a:rPr lang="en-US" altLang="zh-CN" sz="1400" dirty="0" smtClean="0"/>
               <a:t>9</a:t>
             </a:r>
-            <a:endParaRPr lang="zh-CN" altLang="en-US" dirty="0"/>
+            <a:endParaRPr lang="zh-CN" altLang="en-US" sz="1400" dirty="0"/>
           </a:p>
         </p:txBody>
       </p:sp>
@@ -6164,8 +6164,8 @@
         </p:nvSpPr>
         <p:spPr>
           <a:xfrm>
-            <a:off x="6628543" y="5295707"/>
-            <a:ext cx="506507" cy="369332"/>
+            <a:off x="6628543" y="5384719"/>
+            <a:ext cx="506507" cy="307777"/>
           </a:xfrm>
           <a:prstGeom prst="rect">
             <a:avLst/>
@@ -6179,10 +6179,10 @@
           <a:lstStyle/>
           <a:p>
             <a:r>
-              <a:rPr lang="en-US" altLang="zh-CN" dirty="0" smtClean="0"/>
+              <a:rPr lang="en-US" altLang="zh-CN" sz="1400" dirty="0" smtClean="0"/>
               <a:t>1</a:t>
             </a:r>
-            <a:endParaRPr lang="zh-CN" altLang="en-US" dirty="0"/>
+            <a:endParaRPr lang="zh-CN" altLang="en-US" sz="1400" dirty="0"/>
           </a:p>
         </p:txBody>
       </p:sp>
@@ -6194,8 +6194,8 @@
         </p:nvSpPr>
         <p:spPr>
           <a:xfrm>
-            <a:off x="6831803" y="3846890"/>
-            <a:ext cx="506507" cy="369332"/>
+            <a:off x="6831803" y="4486158"/>
+            <a:ext cx="506507" cy="307777"/>
           </a:xfrm>
           <a:prstGeom prst="rect">
             <a:avLst/>
@@ -6209,10 +6209,10 @@
           <a:lstStyle/>
           <a:p>
             <a:r>
-              <a:rPr lang="en-US" altLang="zh-CN" dirty="0" smtClean="0"/>
+              <a:rPr lang="en-US" altLang="zh-CN" sz="1400" dirty="0" smtClean="0"/>
               <a:t>1</a:t>
             </a:r>
-            <a:endParaRPr lang="zh-CN" altLang="en-US" dirty="0"/>
+            <a:endParaRPr lang="zh-CN" altLang="en-US" sz="1400" dirty="0"/>
           </a:p>
         </p:txBody>
       </p:sp>
@@ -6224,8 +6224,8 @@
         </p:nvSpPr>
         <p:spPr>
           <a:xfrm>
-            <a:off x="6766372" y="4364921"/>
-            <a:ext cx="737356" cy="338554"/>
+            <a:off x="6766372" y="4704785"/>
+            <a:ext cx="737356" cy="276999"/>
           </a:xfrm>
           <a:prstGeom prst="rect">
             <a:avLst/>
@@ -6250,10 +6250,10 @@
           </a:lstStyle>
           <a:p>
             <a:r>
-              <a:rPr lang="en-US" altLang="zh-CN" dirty="0"/>
+              <a:rPr lang="en-US" altLang="zh-CN" sz="1200" dirty="0"/>
               <a:t>is a</a:t>
             </a:r>
-            <a:endParaRPr lang="zh-CN" altLang="en-US" dirty="0"/>
+            <a:endParaRPr lang="zh-CN" altLang="en-US" sz="1200" dirty="0"/>
           </a:p>
         </p:txBody>
       </p:sp>
@@ -6265,8 +6265,8 @@
         </p:nvSpPr>
         <p:spPr>
           <a:xfrm>
-            <a:off x="2418149" y="4380508"/>
-            <a:ext cx="737356" cy="338554"/>
+            <a:off x="2418149" y="4720372"/>
+            <a:ext cx="737356" cy="276999"/>
           </a:xfrm>
           <a:prstGeom prst="rect">
             <a:avLst/>
@@ -6280,14 +6280,14 @@
           <a:lstStyle/>
           <a:p>
             <a:r>
-              <a:rPr lang="en-US" altLang="zh-CN" sz="1600" dirty="0" smtClean="0">
+              <a:rPr lang="en-US" altLang="zh-CN" sz="1200" dirty="0" smtClean="0">
                 <a:solidFill>
                   <a:schemeClr val="accent1"/>
                 </a:solidFill>
               </a:rPr>
               <a:t>is a</a:t>
             </a:r>
-            <a:endParaRPr lang="zh-CN" altLang="en-US" sz="1600" dirty="0">
+            <a:endParaRPr lang="zh-CN" altLang="en-US" sz="1200" dirty="0">
               <a:solidFill>
                 <a:schemeClr val="accent1"/>
               </a:solidFill>
